--- a/Lab09/Lab09_Slides.pptx
+++ b/Lab09/Lab09_Slides.pptx
@@ -8,19 +8,23 @@
     <p:sldId id="256" r:id="rId2"/>
     <p:sldId id="281" r:id="rId3"/>
     <p:sldId id="257" r:id="rId4"/>
-    <p:sldId id="273" r:id="rId5"/>
-    <p:sldId id="264" r:id="rId6"/>
-    <p:sldId id="274" r:id="rId7"/>
-    <p:sldId id="265" r:id="rId8"/>
-    <p:sldId id="268" r:id="rId9"/>
-    <p:sldId id="267" r:id="rId10"/>
-    <p:sldId id="280" r:id="rId11"/>
-    <p:sldId id="277" r:id="rId12"/>
-    <p:sldId id="276" r:id="rId13"/>
-    <p:sldId id="278" r:id="rId14"/>
-    <p:sldId id="279" r:id="rId15"/>
-    <p:sldId id="269" r:id="rId16"/>
-    <p:sldId id="286" r:id="rId17"/>
+    <p:sldId id="287" r:id="rId5"/>
+    <p:sldId id="288" r:id="rId6"/>
+    <p:sldId id="273" r:id="rId7"/>
+    <p:sldId id="264" r:id="rId8"/>
+    <p:sldId id="274" r:id="rId9"/>
+    <p:sldId id="265" r:id="rId10"/>
+    <p:sldId id="268" r:id="rId11"/>
+    <p:sldId id="267" r:id="rId12"/>
+    <p:sldId id="280" r:id="rId13"/>
+    <p:sldId id="277" r:id="rId14"/>
+    <p:sldId id="276" r:id="rId15"/>
+    <p:sldId id="278" r:id="rId16"/>
+    <p:sldId id="279" r:id="rId17"/>
+    <p:sldId id="269" r:id="rId18"/>
+    <p:sldId id="286" r:id="rId19"/>
+    <p:sldId id="289" r:id="rId20"/>
+    <p:sldId id="290" r:id="rId21"/>
   </p:sldIdLst>
   <p:sldSz cx="12192000" cy="6858000"/>
   <p:notesSz cx="6858000" cy="9144000"/>
@@ -324,7 +328,7 @@
           <a:p>
             <a:fld id="{7D18F6AE-6D0D-4F3D-8628-A2C2020C3D54}" type="datetimeFigureOut">
               <a:rPr lang="en-AU" smtClean="0"/>
-              <a:t>4/10/2020</a:t>
+              <a:t>13/10/2020</a:t>
             </a:fld>
             <a:endParaRPr lang="en-AU"/>
           </a:p>
@@ -627,7 +631,7 @@
           <a:p>
             <a:fld id="{7D18F6AE-6D0D-4F3D-8628-A2C2020C3D54}" type="datetimeFigureOut">
               <a:rPr lang="en-AU" smtClean="0"/>
-              <a:t>4/10/2020</a:t>
+              <a:t>13/10/2020</a:t>
             </a:fld>
             <a:endParaRPr lang="en-AU"/>
           </a:p>
@@ -819,7 +823,7 @@
           <a:p>
             <a:fld id="{7D18F6AE-6D0D-4F3D-8628-A2C2020C3D54}" type="datetimeFigureOut">
               <a:rPr lang="en-AU" smtClean="0"/>
-              <a:t>4/10/2020</a:t>
+              <a:t>13/10/2020</a:t>
             </a:fld>
             <a:endParaRPr lang="en-AU"/>
           </a:p>
@@ -1080,7 +1084,7 @@
           <a:p>
             <a:fld id="{7D18F6AE-6D0D-4F3D-8628-A2C2020C3D54}" type="datetimeFigureOut">
               <a:rPr lang="en-AU" smtClean="0"/>
-              <a:t>4/10/2020</a:t>
+              <a:t>13/10/2020</a:t>
             </a:fld>
             <a:endParaRPr lang="en-AU"/>
           </a:p>
@@ -1504,7 +1508,7 @@
           <a:p>
             <a:fld id="{7D18F6AE-6D0D-4F3D-8628-A2C2020C3D54}" type="datetimeFigureOut">
               <a:rPr lang="en-AU" smtClean="0"/>
-              <a:t>4/10/2020</a:t>
+              <a:t>13/10/2020</a:t>
             </a:fld>
             <a:endParaRPr lang="en-AU"/>
           </a:p>
@@ -2041,7 +2045,7 @@
           <a:p>
             <a:fld id="{7D18F6AE-6D0D-4F3D-8628-A2C2020C3D54}" type="datetimeFigureOut">
               <a:rPr lang="en-AU" smtClean="0"/>
-              <a:t>4/10/2020</a:t>
+              <a:t>13/10/2020</a:t>
             </a:fld>
             <a:endParaRPr lang="en-AU"/>
           </a:p>
@@ -2905,7 +2909,7 @@
           <a:p>
             <a:fld id="{7D18F6AE-6D0D-4F3D-8628-A2C2020C3D54}" type="datetimeFigureOut">
               <a:rPr lang="en-AU" smtClean="0"/>
-              <a:t>4/10/2020</a:t>
+              <a:t>13/10/2020</a:t>
             </a:fld>
             <a:endParaRPr lang="en-AU"/>
           </a:p>
@@ -3075,7 +3079,7 @@
           <a:p>
             <a:fld id="{7D18F6AE-6D0D-4F3D-8628-A2C2020C3D54}" type="datetimeFigureOut">
               <a:rPr lang="en-AU" smtClean="0"/>
-              <a:t>4/10/2020</a:t>
+              <a:t>13/10/2020</a:t>
             </a:fld>
             <a:endParaRPr lang="en-AU"/>
           </a:p>
@@ -3259,7 +3263,7 @@
           <a:p>
             <a:fld id="{7D18F6AE-6D0D-4F3D-8628-A2C2020C3D54}" type="datetimeFigureOut">
               <a:rPr lang="en-AU" smtClean="0"/>
-              <a:t>4/10/2020</a:t>
+              <a:t>13/10/2020</a:t>
             </a:fld>
             <a:endParaRPr lang="en-AU"/>
           </a:p>
@@ -3434,7 +3438,7 @@
           <a:p>
             <a:fld id="{7D18F6AE-6D0D-4F3D-8628-A2C2020C3D54}" type="datetimeFigureOut">
               <a:rPr lang="en-AU" smtClean="0"/>
-              <a:t>4/10/2020</a:t>
+              <a:t>13/10/2020</a:t>
             </a:fld>
             <a:endParaRPr lang="en-AU"/>
           </a:p>
@@ -3678,7 +3682,7 @@
           <a:p>
             <a:fld id="{7D18F6AE-6D0D-4F3D-8628-A2C2020C3D54}" type="datetimeFigureOut">
               <a:rPr lang="en-AU" smtClean="0"/>
-              <a:t>4/10/2020</a:t>
+              <a:t>13/10/2020</a:t>
             </a:fld>
             <a:endParaRPr lang="en-AU"/>
           </a:p>
@@ -3919,7 +3923,7 @@
           <a:p>
             <a:fld id="{7D18F6AE-6D0D-4F3D-8628-A2C2020C3D54}" type="datetimeFigureOut">
               <a:rPr lang="en-AU" smtClean="0"/>
-              <a:t>4/10/2020</a:t>
+              <a:t>13/10/2020</a:t>
             </a:fld>
             <a:endParaRPr lang="en-AU"/>
           </a:p>
@@ -4385,7 +4389,7 @@
           <a:p>
             <a:fld id="{7D18F6AE-6D0D-4F3D-8628-A2C2020C3D54}" type="datetimeFigureOut">
               <a:rPr lang="en-AU" smtClean="0"/>
-              <a:t>4/10/2020</a:t>
+              <a:t>13/10/2020</a:t>
             </a:fld>
             <a:endParaRPr lang="en-AU"/>
           </a:p>
@@ -4503,7 +4507,7 @@
           <a:p>
             <a:fld id="{7D18F6AE-6D0D-4F3D-8628-A2C2020C3D54}" type="datetimeFigureOut">
               <a:rPr lang="en-AU" smtClean="0"/>
-              <a:t>4/10/2020</a:t>
+              <a:t>13/10/2020</a:t>
             </a:fld>
             <a:endParaRPr lang="en-AU"/>
           </a:p>
@@ -4598,7 +4602,7 @@
           <a:p>
             <a:fld id="{7D18F6AE-6D0D-4F3D-8628-A2C2020C3D54}" type="datetimeFigureOut">
               <a:rPr lang="en-AU" smtClean="0"/>
-              <a:t>4/10/2020</a:t>
+              <a:t>13/10/2020</a:t>
             </a:fld>
             <a:endParaRPr lang="en-AU"/>
           </a:p>
@@ -4853,7 +4857,7 @@
           <a:p>
             <a:fld id="{7D18F6AE-6D0D-4F3D-8628-A2C2020C3D54}" type="datetimeFigureOut">
               <a:rPr lang="en-AU" smtClean="0"/>
-              <a:t>4/10/2020</a:t>
+              <a:t>13/10/2020</a:t>
             </a:fld>
             <a:endParaRPr lang="en-AU"/>
           </a:p>
@@ -5153,7 +5157,7 @@
           <a:p>
             <a:fld id="{7D18F6AE-6D0D-4F3D-8628-A2C2020C3D54}" type="datetimeFigureOut">
               <a:rPr lang="en-AU" smtClean="0"/>
-              <a:t>4/10/2020</a:t>
+              <a:t>13/10/2020</a:t>
             </a:fld>
             <a:endParaRPr lang="en-AU"/>
           </a:p>
@@ -5387,7 +5391,7 @@
           <a:p>
             <a:fld id="{7D18F6AE-6D0D-4F3D-8628-A2C2020C3D54}" type="datetimeFigureOut">
               <a:rPr lang="en-AU" smtClean="0"/>
-              <a:t>4/10/2020</a:t>
+              <a:t>13/10/2020</a:t>
             </a:fld>
             <a:endParaRPr lang="en-AU"/>
           </a:p>
@@ -6219,7 +6223,7 @@
           <p:cNvPr id="2" name="Title 1">
             <a:extLst>
               <a:ext uri="{FF2B5EF4-FFF2-40B4-BE49-F238E27FC236}">
-                <a16:creationId xmlns:a16="http://schemas.microsoft.com/office/drawing/2014/main" id="{50502E96-4680-44B9-970F-1B462129727B}"/>
+                <a16:creationId xmlns:a16="http://schemas.microsoft.com/office/drawing/2014/main" id="{C2801080-7D21-4A8C-9ED3-B12927D2FC0C}"/>
               </a:ext>
             </a:extLst>
           </p:cNvPr>
@@ -6238,12 +6242,9 @@
           <a:lstStyle/>
           <a:p>
             <a:r>
-              <a:rPr lang="en-AU" b="1" dirty="0">
-                <a:effectLst/>
-              </a:rPr>
-              <a:t>Exception Handling: Two ways</a:t>
-            </a:r>
-            <a:endParaRPr lang="en-AU" dirty="0"/>
+              <a:rPr lang="en-AU" b="1" dirty="0"/>
+              <a:t>try</a:t>
+            </a:r>
           </a:p>
         </p:txBody>
       </p:sp>
@@ -6252,7 +6253,7 @@
           <p:cNvPr id="3" name="Content Placeholder 2">
             <a:extLst>
               <a:ext uri="{FF2B5EF4-FFF2-40B4-BE49-F238E27FC236}">
-                <a16:creationId xmlns:a16="http://schemas.microsoft.com/office/drawing/2014/main" id="{97E0FF47-17B3-4278-9F3D-FA75FAB6C7C3}"/>
+                <a16:creationId xmlns:a16="http://schemas.microsoft.com/office/drawing/2014/main" id="{A6ACD843-FA50-4C0D-911C-0D2F8BFFFDE5}"/>
               </a:ext>
             </a:extLst>
           </p:cNvPr>
@@ -6263,15 +6264,10 @@
             <p:ph idx="1"/>
           </p:nvPr>
         </p:nvSpPr>
-        <p:spPr>
-          <a:xfrm>
-            <a:off x="913795" y="1732449"/>
-            <a:ext cx="10353762" cy="4515951"/>
-          </a:xfrm>
-        </p:spPr>
+        <p:spPr/>
         <p:txBody>
           <a:bodyPr>
-            <a:normAutofit lnSpcReduction="10000"/>
+            <a:normAutofit fontScale="92500" lnSpcReduction="10000"/>
           </a:bodyPr>
           <a:lstStyle/>
           <a:p>
@@ -6279,38 +6275,67 @@
               <a:buNone/>
             </a:pPr>
             <a:r>
-              <a:rPr lang="en-AU" dirty="0">
-                <a:effectLst/>
-              </a:rPr>
-              <a:t>1. </a:t>
-            </a:r>
-            <a:r>
               <a:rPr lang="en-AU" b="1" dirty="0">
-                <a:solidFill>
-                  <a:srgbClr val="00B0F0"/>
-                </a:solidFill>
-                <a:effectLst/>
-              </a:rPr>
-              <a:t>throw -- </a:t>
-            </a:r>
-            <a:r>
-              <a:rPr lang="en-AU" dirty="0">
-                <a:effectLst/>
-              </a:rPr>
-              <a:t>handles an exception in a </a:t>
+                <a:effectLst/>
+              </a:rPr>
+              <a:t>Two cases:</a:t>
+            </a:r>
+          </a:p>
+          <a:p>
+            <a:r>
+              <a:rPr lang="en-AU" dirty="0">
+                <a:effectLst/>
+              </a:rPr>
+              <a:t> </a:t>
             </a:r>
             <a:r>
               <a:rPr lang="en-AU" b="1" dirty="0">
                 <a:solidFill>
+                  <a:srgbClr val="FF0000"/>
+                </a:solidFill>
+                <a:effectLst/>
+              </a:rPr>
+              <a:t>No </a:t>
+            </a:r>
+            <a:r>
+              <a:rPr lang="en-AU" b="1" dirty="0">
+                <a:solidFill>
                   <a:srgbClr val="FFC000"/>
                 </a:solidFill>
                 <a:effectLst/>
               </a:rPr>
-              <a:t>catch block</a:t>
-            </a:r>
-            <a:endParaRPr lang="en-AU" dirty="0">
-              <a:effectLst/>
-            </a:endParaRPr>
+              <a:t>exception</a:t>
+            </a:r>
+            <a:r>
+              <a:rPr lang="en-AU" b="1" dirty="0">
+                <a:solidFill>
+                  <a:srgbClr val="FF0000"/>
+                </a:solidFill>
+                <a:effectLst/>
+              </a:rPr>
+              <a:t> is thrown </a:t>
+            </a:r>
+            <a:r>
+              <a:rPr lang="en-AU" dirty="0">
+                <a:effectLst/>
+              </a:rPr>
+              <a:t>in the </a:t>
+            </a:r>
+            <a:r>
+              <a:rPr lang="en-AU" b="1" dirty="0">
+                <a:solidFill>
+                  <a:srgbClr val="FFC000"/>
+                </a:solidFill>
+                <a:effectLst/>
+              </a:rPr>
+              <a:t>try</a:t>
+            </a:r>
+            <a:r>
+              <a:rPr lang="en-AU" dirty="0">
+                <a:effectLst/>
+              </a:rPr>
+              <a:t> block</a:t>
+            </a:r>
           </a:p>
           <a:p>
             <a:pPr lvl="1"/>
@@ -6321,13 +6346,13 @@
                 </a:solidFill>
                 <a:effectLst/>
               </a:rPr>
-              <a:t>try block: throw</a:t>
-            </a:r>
-            <a:r>
-              <a:rPr lang="en-AU" dirty="0">
-                <a:effectLst/>
-              </a:rPr>
-              <a:t> an exception ,</a:t>
+              <a:t>try</a:t>
+            </a:r>
+            <a:r>
+              <a:rPr lang="en-AU" dirty="0">
+                <a:effectLst/>
+              </a:rPr>
+              <a:t> block -- executed to the end of the block</a:t>
             </a:r>
           </a:p>
           <a:p>
@@ -6339,7 +6364,13 @@
                 </a:solidFill>
                 <a:effectLst/>
               </a:rPr>
-              <a:t>catch block: </a:t>
+              <a:t>catch</a:t>
+            </a:r>
+            <a:r>
+              <a:rPr lang="en-AU" dirty="0">
+                <a:effectLst/>
+              </a:rPr>
+              <a:t> block -- </a:t>
             </a:r>
             <a:r>
               <a:rPr lang="en-AU" dirty="0">
@@ -6348,82 +6379,278 @@
                 </a:solidFill>
                 <a:effectLst/>
               </a:rPr>
+              <a:t>skipped</a:t>
+            </a:r>
+          </a:p>
+          <a:p>
+            <a:pPr lvl="1"/>
+            <a:r>
+              <a:rPr lang="en-AU" dirty="0">
+                <a:solidFill>
+                  <a:srgbClr val="FF0000"/>
+                </a:solidFill>
+                <a:effectLst/>
+              </a:rPr>
+              <a:t>after</a:t>
+            </a:r>
+            <a:r>
+              <a:rPr lang="en-AU" dirty="0">
+                <a:effectLst/>
+              </a:rPr>
+              <a:t> the </a:t>
+            </a:r>
+            <a:r>
+              <a:rPr lang="en-AU" b="1" dirty="0">
+                <a:solidFill>
+                  <a:srgbClr val="FFC000"/>
+                </a:solidFill>
+                <a:effectLst/>
+              </a:rPr>
+              <a:t>catch</a:t>
+            </a:r>
+            <a:r>
+              <a:rPr lang="en-AU" dirty="0">
+                <a:effectLst/>
+              </a:rPr>
+              <a:t> block -- </a:t>
+            </a:r>
+            <a:r>
+              <a:rPr lang="en-AU" dirty="0">
+                <a:solidFill>
+                  <a:srgbClr val="FF0000"/>
+                </a:solidFill>
+                <a:effectLst/>
+              </a:rPr>
+              <a:t>execution continues </a:t>
+            </a:r>
+          </a:p>
+          <a:p>
+            <a:r>
+              <a:rPr lang="en-AU" dirty="0">
+                <a:effectLst/>
+              </a:rPr>
+              <a:t>An </a:t>
+            </a:r>
+            <a:r>
+              <a:rPr lang="en-AU" b="1" dirty="0">
+                <a:solidFill>
+                  <a:srgbClr val="FFC000"/>
+                </a:solidFill>
+                <a:effectLst/>
+              </a:rPr>
+              <a:t>exception</a:t>
+            </a:r>
+            <a:r>
+              <a:rPr lang="en-AU" b="1" dirty="0">
+                <a:solidFill>
+                  <a:srgbClr val="FF0000"/>
+                </a:solidFill>
+                <a:effectLst/>
+              </a:rPr>
+              <a:t> is thrown </a:t>
+            </a:r>
+            <a:r>
+              <a:rPr lang="en-AU" dirty="0">
+                <a:effectLst/>
+              </a:rPr>
+              <a:t>in the </a:t>
+            </a:r>
+            <a:r>
+              <a:rPr lang="en-AU" b="1" dirty="0">
+                <a:solidFill>
+                  <a:srgbClr val="FFC000"/>
+                </a:solidFill>
+                <a:effectLst/>
+              </a:rPr>
+              <a:t>try</a:t>
+            </a:r>
+            <a:r>
+              <a:rPr lang="en-AU" dirty="0">
+                <a:effectLst/>
+              </a:rPr>
+              <a:t> block and </a:t>
+            </a:r>
+            <a:r>
+              <a:rPr lang="en-AU" b="1" dirty="0">
+                <a:solidFill>
+                  <a:srgbClr val="FF0000"/>
+                </a:solidFill>
+                <a:effectLst/>
+              </a:rPr>
               <a:t>caught</a:t>
             </a:r>
             <a:r>
               <a:rPr lang="en-AU" dirty="0">
                 <a:effectLst/>
               </a:rPr>
-              <a:t> the exception within </a:t>
+              <a:t> in the </a:t>
             </a:r>
             <a:r>
               <a:rPr lang="en-AU" b="1" dirty="0">
-                <a:effectLst/>
-              </a:rPr>
-              <a:t>the </a:t>
-            </a:r>
+                <a:solidFill>
+                  <a:srgbClr val="FFC000"/>
+                </a:solidFill>
+                <a:effectLst/>
+              </a:rPr>
+              <a:t>catch</a:t>
+            </a:r>
+            <a:r>
+              <a:rPr lang="en-AU" dirty="0">
+                <a:effectLst/>
+              </a:rPr>
+              <a:t> block</a:t>
+            </a:r>
+          </a:p>
+          <a:p>
+            <a:pPr lvl="1"/>
             <a:r>
               <a:rPr lang="en-AU" b="1" dirty="0">
                 <a:solidFill>
-                  <a:srgbClr val="92D050"/>
-                </a:solidFill>
-                <a:effectLst/>
-              </a:rPr>
-              <a:t>same method</a:t>
-            </a:r>
-          </a:p>
-          <a:p>
-            <a:endParaRPr lang="en-AU" dirty="0">
-              <a:effectLst/>
-            </a:endParaRPr>
-          </a:p>
-          <a:p>
-            <a:pPr marL="36900" indent="0">
-              <a:buNone/>
-            </a:pPr>
-            <a:r>
-              <a:rPr lang="en-AU" dirty="0">
-                <a:effectLst/>
-              </a:rPr>
-              <a:t>2. </a:t>
-            </a:r>
+                  <a:srgbClr val="FFC000"/>
+                </a:solidFill>
+                <a:effectLst/>
+              </a:rPr>
+              <a:t>try</a:t>
+            </a:r>
+            <a:r>
+              <a:rPr lang="en-AU" dirty="0">
+                <a:solidFill>
+                  <a:srgbClr val="FF0000"/>
+                </a:solidFill>
+                <a:effectLst/>
+              </a:rPr>
+              <a:t> block </a:t>
+            </a:r>
+            <a:r>
+              <a:rPr lang="en-AU" dirty="0"/>
+              <a:t>– </a:t>
+            </a:r>
+            <a:r>
+              <a:rPr lang="en-AU" dirty="0">
+                <a:solidFill>
+                  <a:srgbClr val="FF0000"/>
+                </a:solidFill>
+                <a:effectLst/>
+              </a:rPr>
+              <a:t>skipped after thrown</a:t>
+            </a:r>
+          </a:p>
+          <a:p>
+            <a:pPr lvl="1"/>
             <a:r>
               <a:rPr lang="en-AU" b="1" dirty="0">
                 <a:solidFill>
-                  <a:srgbClr val="00B0F0"/>
-                </a:solidFill>
-                <a:effectLst/>
-              </a:rPr>
-              <a:t>throws -- </a:t>
+                  <a:srgbClr val="FFC000"/>
+                </a:solidFill>
+                <a:effectLst/>
+              </a:rPr>
+              <a:t>Control</a:t>
+            </a:r>
+            <a:r>
+              <a:rPr lang="en-AU" dirty="0">
+                <a:effectLst/>
+              </a:rPr>
+              <a:t> is </a:t>
+            </a:r>
+            <a:r>
+              <a:rPr lang="en-AU" dirty="0">
+                <a:solidFill>
+                  <a:srgbClr val="FF0000"/>
+                </a:solidFill>
+                <a:effectLst/>
+              </a:rPr>
+              <a:t>transferred</a:t>
+            </a:r>
+            <a:r>
+              <a:rPr lang="en-AU" dirty="0">
+                <a:effectLst/>
+              </a:rPr>
+              <a:t> to a following </a:t>
             </a:r>
             <a:r>
               <a:rPr lang="en-AU" b="1" dirty="0">
                 <a:solidFill>
-                  <a:srgbClr val="92D050"/>
-                </a:solidFill>
-                <a:effectLst/>
-              </a:rPr>
-              <a:t>shift</a:t>
-            </a:r>
-            <a:r>
-              <a:rPr lang="en-AU" dirty="0">
-                <a:effectLst/>
-              </a:rPr>
-              <a:t> the exception handling responsibility </a:t>
-            </a:r>
-            <a:r>
-              <a:rPr lang="en-AU" dirty="0"/>
-              <a:t>to the method that </a:t>
+                  <a:srgbClr val="FFC000"/>
+                </a:solidFill>
+                <a:effectLst/>
+              </a:rPr>
+              <a:t>catch</a:t>
+            </a:r>
+            <a:r>
+              <a:rPr lang="en-AU" dirty="0">
+                <a:effectLst/>
+              </a:rPr>
+              <a:t> block (in simple cases)</a:t>
+            </a:r>
+          </a:p>
+          <a:p>
+            <a:pPr lvl="1"/>
+            <a:r>
+              <a:rPr lang="en-AU" dirty="0">
+                <a:effectLst/>
+              </a:rPr>
+              <a:t>The thrown object is </a:t>
+            </a:r>
+            <a:r>
+              <a:rPr lang="en-AU" dirty="0">
+                <a:solidFill>
+                  <a:srgbClr val="FF0000"/>
+                </a:solidFill>
+                <a:effectLst/>
+              </a:rPr>
+              <a:t>plugged in </a:t>
+            </a:r>
+            <a:r>
+              <a:rPr lang="en-AU" dirty="0">
+                <a:effectLst/>
+              </a:rPr>
+              <a:t>for the </a:t>
             </a:r>
             <a:r>
               <a:rPr lang="en-AU" b="1" dirty="0">
                 <a:solidFill>
+                  <a:srgbClr val="FFC000"/>
+                </a:solidFill>
+                <a:effectLst/>
+              </a:rPr>
+              <a:t>catch</a:t>
+            </a:r>
+            <a:r>
+              <a:rPr lang="en-AU" dirty="0">
+                <a:effectLst/>
+              </a:rPr>
+              <a:t> block parameter</a:t>
+            </a:r>
+          </a:p>
+          <a:p>
+            <a:pPr lvl="1"/>
+            <a:r>
+              <a:rPr lang="en-AU" b="1" dirty="0">
+                <a:solidFill>
+                  <a:srgbClr val="FFC000"/>
+                </a:solidFill>
+                <a:effectLst/>
+              </a:rPr>
+              <a:t>catch</a:t>
+            </a:r>
+            <a:r>
+              <a:rPr lang="en-AU" dirty="0">
+                <a:effectLst/>
+              </a:rPr>
+              <a:t> block -- </a:t>
+            </a:r>
+            <a:r>
+              <a:rPr lang="en-AU" dirty="0">
+                <a:solidFill>
                   <a:srgbClr val="FF0000"/>
                 </a:solidFill>
                 <a:effectLst/>
               </a:rPr>
-              <a:t>invoked</a:t>
-            </a:r>
+              <a:t>executed</a:t>
+            </a:r>
+          </a:p>
+          <a:p>
+            <a:pPr lvl="1"/>
             <a:r>
               <a:rPr lang="en-AU" dirty="0">
                 <a:solidFill>
@@ -6431,285 +6658,29 @@
                 </a:solidFill>
                 <a:effectLst/>
               </a:rPr>
-              <a:t> the </a:t>
-            </a:r>
-            <a:r>
-              <a:rPr lang="en-AU" dirty="0">
+              <a:t>after</a:t>
+            </a:r>
+            <a:r>
+              <a:rPr lang="en-AU" dirty="0">
+                <a:effectLst/>
+              </a:rPr>
+              <a:t> </a:t>
+            </a:r>
+            <a:r>
+              <a:rPr lang="en-AU" b="1" dirty="0">
                 <a:solidFill>
                   <a:srgbClr val="FFC000"/>
                 </a:solidFill>
                 <a:effectLst/>
               </a:rPr>
-              <a:t>exception throwing method</a:t>
-            </a:r>
-            <a:endParaRPr lang="en-AU" b="1" dirty="0">
-              <a:solidFill>
-                <a:srgbClr val="00B0F0"/>
-              </a:solidFill>
-              <a:effectLst/>
-            </a:endParaRPr>
-          </a:p>
-          <a:p>
-            <a:pPr lvl="1"/>
-            <a:r>
-              <a:rPr lang="en-AU" b="1" dirty="0">
-                <a:solidFill>
-                  <a:srgbClr val="FFC000"/>
-                </a:solidFill>
-                <a:effectLst/>
-              </a:rPr>
-              <a:t>Declared</a:t>
-            </a:r>
-            <a:r>
-              <a:rPr lang="en-AU" dirty="0">
-                <a:effectLst/>
-              </a:rPr>
-              <a:t> at the </a:t>
-            </a:r>
-            <a:r>
-              <a:rPr lang="en-AU" b="1" dirty="0">
-                <a:solidFill>
-                  <a:srgbClr val="FFC000"/>
-                </a:solidFill>
-                <a:effectLst/>
-              </a:rPr>
-              <a:t>start of the method definition </a:t>
-            </a:r>
-            <a:r>
-              <a:rPr lang="en-AU" dirty="0">
-                <a:solidFill>
-                  <a:srgbClr val="FF0000"/>
-                </a:solidFill>
-                <a:effectLst/>
-              </a:rPr>
-              <a:t>by placing the exception class name</a:t>
-            </a:r>
-            <a:r>
-              <a:rPr lang="en-AU" dirty="0">
-                <a:effectLst/>
-              </a:rPr>
-              <a:t> in a </a:t>
-            </a:r>
-            <a:r>
-              <a:rPr lang="en-AU" b="1" dirty="0">
-                <a:solidFill>
-                  <a:srgbClr val="00B0F0"/>
-                </a:solidFill>
-                <a:effectLst/>
-              </a:rPr>
-              <a:t>throws</a:t>
-            </a:r>
-            <a:r>
-              <a:rPr lang="en-AU" b="1" dirty="0">
-                <a:solidFill>
-                  <a:srgbClr val="FFC000"/>
-                </a:solidFill>
-                <a:effectLst/>
-              </a:rPr>
-              <a:t> clause </a:t>
-            </a:r>
-            <a:endParaRPr lang="en-AU" b="1" dirty="0">
-              <a:solidFill>
-                <a:srgbClr val="00B0F0"/>
-              </a:solidFill>
-              <a:effectLst/>
-            </a:endParaRPr>
-          </a:p>
-          <a:p>
-            <a:pPr lvl="1"/>
-            <a:r>
-              <a:rPr lang="en-AU" dirty="0">
-                <a:effectLst/>
-              </a:rPr>
-              <a:t>The invoking method must handle the exception, unless it </a:t>
-            </a:r>
-            <a:r>
-              <a:rPr lang="en-AU" b="1" dirty="0">
-                <a:solidFill>
-                  <a:srgbClr val="92D050"/>
-                </a:solidFill>
-                <a:effectLst/>
-              </a:rPr>
-              <a:t>shift</a:t>
-            </a:r>
-            <a:r>
-              <a:rPr lang="en-AU" b="1" dirty="0">
-                <a:solidFill>
-                  <a:srgbClr val="FF0000"/>
-                </a:solidFill>
-                <a:effectLst/>
-              </a:rPr>
-              <a:t> the responsibility </a:t>
-            </a:r>
-            <a:r>
-              <a:rPr lang="en-AU" dirty="0">
-                <a:effectLst/>
-              </a:rPr>
-              <a:t>as well</a:t>
-            </a:r>
-          </a:p>
-          <a:p>
-            <a:pPr lvl="1"/>
-            <a:endParaRPr lang="en-AU" dirty="0">
-              <a:effectLst/>
-            </a:endParaRPr>
-          </a:p>
-          <a:p>
-            <a:r>
-              <a:rPr lang="en-AU" dirty="0">
-                <a:effectLst/>
-              </a:rPr>
-              <a:t>Ultimately, </a:t>
-            </a:r>
-            <a:r>
-              <a:rPr lang="en-AU" dirty="0">
-                <a:solidFill>
-                  <a:srgbClr val="FF0000"/>
-                </a:solidFill>
-                <a:effectLst/>
-              </a:rPr>
-              <a:t>every exception </a:t>
-            </a:r>
-            <a:r>
-              <a:rPr lang="en-AU" dirty="0">
-                <a:effectLst/>
-              </a:rPr>
-              <a:t>that is thrown </a:t>
-            </a:r>
-            <a:r>
-              <a:rPr lang="en-AU" b="1" dirty="0">
-                <a:solidFill>
-                  <a:srgbClr val="92D050"/>
-                </a:solidFill>
-                <a:effectLst/>
-              </a:rPr>
-              <a:t>must</a:t>
-            </a:r>
-            <a:r>
-              <a:rPr lang="en-AU" dirty="0">
-                <a:solidFill>
-                  <a:srgbClr val="92D050"/>
-                </a:solidFill>
-                <a:effectLst/>
-              </a:rPr>
-              <a:t> </a:t>
-            </a:r>
-            <a:r>
-              <a:rPr lang="en-AU" b="1" dirty="0">
-                <a:solidFill>
-                  <a:srgbClr val="92D050"/>
-                </a:solidFill>
-                <a:effectLst/>
-              </a:rPr>
-              <a:t>eventually</a:t>
-            </a:r>
-            <a:r>
-              <a:rPr lang="en-AU" dirty="0">
-                <a:solidFill>
-                  <a:srgbClr val="92D050"/>
-                </a:solidFill>
-                <a:effectLst/>
-              </a:rPr>
-              <a:t> </a:t>
-            </a:r>
-            <a:r>
-              <a:rPr lang="en-AU" dirty="0">
-                <a:effectLst/>
-              </a:rPr>
-              <a:t>be </a:t>
-            </a:r>
-            <a:r>
-              <a:rPr lang="en-AU" dirty="0">
-                <a:solidFill>
-                  <a:srgbClr val="FF0000"/>
-                </a:solidFill>
-                <a:effectLst/>
-              </a:rPr>
-              <a:t>caught/handled </a:t>
-            </a:r>
-            <a:r>
-              <a:rPr lang="en-AU" dirty="0">
-                <a:effectLst/>
-              </a:rPr>
-              <a:t>by a </a:t>
-            </a:r>
-            <a:r>
-              <a:rPr lang="en-AU" b="1" dirty="0">
-                <a:solidFill>
-                  <a:srgbClr val="FFC000"/>
-                </a:solidFill>
-                <a:effectLst/>
-              </a:rPr>
-              <a:t>catch block </a:t>
-            </a:r>
-            <a:r>
-              <a:rPr lang="en-AU" dirty="0">
-                <a:effectLst/>
-              </a:rPr>
-              <a:t>in some method that </a:t>
-            </a:r>
-            <a:r>
-              <a:rPr lang="en-AU" dirty="0">
-                <a:solidFill>
-                  <a:srgbClr val="FF0000"/>
-                </a:solidFill>
-                <a:effectLst/>
-              </a:rPr>
-              <a:t>does not just declare the exception </a:t>
-            </a:r>
-            <a:r>
-              <a:rPr lang="en-AU" dirty="0"/>
-              <a:t>class in a </a:t>
-            </a:r>
-            <a:r>
-              <a:rPr lang="en-AU" b="1" dirty="0">
-                <a:solidFill>
-                  <a:srgbClr val="00B0F0"/>
-                </a:solidFill>
-              </a:rPr>
-              <a:t>throws</a:t>
-            </a:r>
-            <a:r>
-              <a:rPr lang="en-AU" b="1" dirty="0">
-                <a:solidFill>
-                  <a:srgbClr val="FFC000"/>
-                </a:solidFill>
-              </a:rPr>
-              <a:t> clause</a:t>
-            </a:r>
-            <a:endParaRPr lang="en-AU" b="1" dirty="0">
-              <a:solidFill>
-                <a:srgbClr val="FFC000"/>
-              </a:solidFill>
-              <a:effectLst/>
-            </a:endParaRPr>
-          </a:p>
-          <a:p>
-            <a:endParaRPr lang="en-AU" dirty="0">
-              <a:solidFill>
-                <a:srgbClr val="FF0000"/>
-              </a:solidFill>
-              <a:effectLst/>
-            </a:endParaRPr>
-          </a:p>
-          <a:p>
-            <a:pPr lvl="1"/>
-            <a:endParaRPr lang="en-AU" b="1" dirty="0">
-              <a:solidFill>
-                <a:srgbClr val="FFC000"/>
-              </a:solidFill>
-              <a:effectLst/>
-            </a:endParaRPr>
-          </a:p>
-          <a:p>
-            <a:pPr marL="36900" indent="0">
-              <a:buNone/>
-            </a:pPr>
-            <a:endParaRPr lang="en-AU" dirty="0">
-              <a:effectLst/>
-            </a:endParaRPr>
-          </a:p>
-          <a:p>
+              <a:t>catch</a:t>
+            </a:r>
+            <a:r>
+              <a:rPr lang="en-AU" dirty="0">
+                <a:effectLst/>
+              </a:rPr>
+              <a:t> block -- executed (if any)</a:t>
+            </a:r>
             <a:endParaRPr lang="en-AU" dirty="0"/>
           </a:p>
         </p:txBody>
@@ -6717,7 +6688,7 @@
     </p:spTree>
     <p:extLst>
       <p:ext uri="{BB962C8B-B14F-4D97-AF65-F5344CB8AC3E}">
-        <p14:creationId xmlns:p14="http://schemas.microsoft.com/office/powerpoint/2010/main" val="2113703686"/>
+        <p14:creationId xmlns:p14="http://schemas.microsoft.com/office/powerpoint/2010/main" val="3426584855"/>
       </p:ext>
     </p:extLst>
   </p:cSld>
@@ -6749,6 +6720,1032 @@
           <p:cNvPr id="2" name="Title 1">
             <a:extLst>
               <a:ext uri="{FF2B5EF4-FFF2-40B4-BE49-F238E27FC236}">
+                <a16:creationId xmlns:a16="http://schemas.microsoft.com/office/drawing/2014/main" id="{C3C687A5-5487-45E6-B921-94AFBF8DEAA3}"/>
+              </a:ext>
+            </a:extLst>
+          </p:cNvPr>
+          <p:cNvSpPr>
+            <a:spLocks noGrp="1"/>
+          </p:cNvSpPr>
+          <p:nvPr>
+            <p:ph type="title"/>
+          </p:nvPr>
+        </p:nvSpPr>
+        <p:spPr/>
+        <p:txBody>
+          <a:bodyPr>
+            <a:normAutofit/>
+          </a:bodyPr>
+          <a:lstStyle/>
+          <a:p>
+            <a:r>
+              <a:rPr lang="en-AU" b="1" dirty="0">
+                <a:effectLst/>
+              </a:rPr>
+              <a:t>catch</a:t>
+            </a:r>
+            <a:endParaRPr lang="en-AU" dirty="0"/>
+          </a:p>
+        </p:txBody>
+      </p:sp>
+      <p:sp>
+        <p:nvSpPr>
+          <p:cNvPr id="3" name="Content Placeholder 2">
+            <a:extLst>
+              <a:ext uri="{FF2B5EF4-FFF2-40B4-BE49-F238E27FC236}">
+                <a16:creationId xmlns:a16="http://schemas.microsoft.com/office/drawing/2014/main" id="{8A989F6C-1913-492D-8F36-7719ABA27DE2}"/>
+              </a:ext>
+            </a:extLst>
+          </p:cNvPr>
+          <p:cNvSpPr>
+            <a:spLocks noGrp="1"/>
+          </p:cNvSpPr>
+          <p:nvPr>
+            <p:ph idx="1"/>
+          </p:nvPr>
+        </p:nvSpPr>
+        <p:spPr>
+          <a:xfrm>
+            <a:off x="913795" y="1732449"/>
+            <a:ext cx="10353762" cy="4998551"/>
+          </a:xfrm>
+        </p:spPr>
+        <p:txBody>
+          <a:bodyPr>
+            <a:normAutofit/>
+          </a:bodyPr>
+          <a:lstStyle/>
+          <a:p>
+            <a:r>
+              <a:rPr lang="en-AU" dirty="0">
+                <a:effectLst/>
+              </a:rPr>
+              <a:t>When an </a:t>
+            </a:r>
+            <a:r>
+              <a:rPr lang="en-AU" b="1" dirty="0">
+                <a:solidFill>
+                  <a:srgbClr val="FFC000"/>
+                </a:solidFill>
+                <a:effectLst/>
+              </a:rPr>
+              <a:t>exception</a:t>
+            </a:r>
+            <a:r>
+              <a:rPr lang="en-AU" dirty="0">
+                <a:effectLst/>
+              </a:rPr>
+              <a:t> is thrown, the </a:t>
+            </a:r>
+            <a:r>
+              <a:rPr lang="en-AU" b="1" dirty="0">
+                <a:solidFill>
+                  <a:srgbClr val="FFC000"/>
+                </a:solidFill>
+                <a:effectLst/>
+              </a:rPr>
+              <a:t>catch</a:t>
+            </a:r>
+            <a:r>
+              <a:rPr lang="en-AU" dirty="0">
+                <a:effectLst/>
+              </a:rPr>
+              <a:t> block begins execution</a:t>
+            </a:r>
+          </a:p>
+          <a:p>
+            <a:pPr lvl="1"/>
+            <a:r>
+              <a:rPr lang="en-AU" b="1" dirty="0">
+                <a:solidFill>
+                  <a:srgbClr val="FFC000"/>
+                </a:solidFill>
+                <a:effectLst/>
+              </a:rPr>
+              <a:t>catch</a:t>
+            </a:r>
+            <a:r>
+              <a:rPr lang="en-AU" dirty="0">
+                <a:effectLst/>
+              </a:rPr>
+              <a:t> block: </a:t>
+            </a:r>
+            <a:r>
+              <a:rPr lang="en-AU" dirty="0">
+                <a:solidFill>
+                  <a:srgbClr val="FF0000"/>
+                </a:solidFill>
+                <a:effectLst/>
+              </a:rPr>
+              <a:t>only one parameter</a:t>
+            </a:r>
+          </a:p>
+          <a:p>
+            <a:pPr lvl="1"/>
+            <a:r>
+              <a:rPr lang="en-AU" b="1" dirty="0">
+                <a:solidFill>
+                  <a:srgbClr val="FFC000"/>
+                </a:solidFill>
+                <a:effectLst/>
+              </a:rPr>
+              <a:t>exception</a:t>
+            </a:r>
+            <a:r>
+              <a:rPr lang="en-AU" dirty="0">
+                <a:solidFill>
+                  <a:srgbClr val="FF0000"/>
+                </a:solidFill>
+                <a:effectLst/>
+              </a:rPr>
+              <a:t> object thrown: </a:t>
+            </a:r>
+            <a:r>
+              <a:rPr lang="en-AU" dirty="0">
+                <a:effectLst/>
+              </a:rPr>
+              <a:t>is plugged in for the </a:t>
+            </a:r>
+            <a:r>
+              <a:rPr lang="en-AU" b="1" dirty="0">
+                <a:solidFill>
+                  <a:srgbClr val="FFC000"/>
+                </a:solidFill>
+                <a:effectLst/>
+              </a:rPr>
+              <a:t>catch</a:t>
+            </a:r>
+            <a:r>
+              <a:rPr lang="en-AU" dirty="0">
+                <a:solidFill>
+                  <a:srgbClr val="FF0000"/>
+                </a:solidFill>
+                <a:effectLst/>
+              </a:rPr>
+              <a:t> block parameter</a:t>
+            </a:r>
+          </a:p>
+          <a:p>
+            <a:r>
+              <a:rPr lang="en-AU" dirty="0">
+                <a:solidFill>
+                  <a:srgbClr val="FF0000"/>
+                </a:solidFill>
+                <a:effectLst/>
+              </a:rPr>
+              <a:t>catching/handling the exception:</a:t>
+            </a:r>
+            <a:r>
+              <a:rPr lang="en-AU" dirty="0"/>
+              <a:t> the </a:t>
+            </a:r>
+            <a:r>
+              <a:rPr lang="en-AU" dirty="0">
+                <a:effectLst/>
+              </a:rPr>
+              <a:t>execution of the </a:t>
+            </a:r>
+            <a:r>
+              <a:rPr lang="en-AU" b="1" dirty="0">
+                <a:solidFill>
+                  <a:srgbClr val="FFC000"/>
+                </a:solidFill>
+                <a:effectLst/>
+              </a:rPr>
+              <a:t>catch</a:t>
+            </a:r>
+            <a:r>
+              <a:rPr lang="en-AU" dirty="0">
+                <a:effectLst/>
+              </a:rPr>
+              <a:t> block(</a:t>
+            </a:r>
+            <a:r>
+              <a:rPr lang="en-AU" b="1" dirty="0">
+                <a:solidFill>
+                  <a:srgbClr val="FFC000"/>
+                </a:solidFill>
+                <a:effectLst/>
+              </a:rPr>
+              <a:t>exception handler)</a:t>
+            </a:r>
+          </a:p>
+          <a:p>
+            <a:r>
+              <a:rPr lang="en-AU" dirty="0">
+                <a:effectLst/>
+              </a:rPr>
+              <a:t>Whenever an </a:t>
+            </a:r>
+            <a:r>
+              <a:rPr lang="en-AU" b="1" dirty="0">
+                <a:solidFill>
+                  <a:srgbClr val="FFC000"/>
+                </a:solidFill>
+                <a:effectLst/>
+              </a:rPr>
+              <a:t>exception</a:t>
+            </a:r>
+            <a:r>
+              <a:rPr lang="en-AU" dirty="0">
+                <a:effectLst/>
+              </a:rPr>
+              <a:t> is </a:t>
+            </a:r>
+            <a:r>
+              <a:rPr lang="en-AU" dirty="0">
+                <a:solidFill>
+                  <a:srgbClr val="FF0000"/>
+                </a:solidFill>
+                <a:effectLst/>
+              </a:rPr>
+              <a:t>thrown</a:t>
+            </a:r>
+            <a:r>
+              <a:rPr lang="en-AU" dirty="0">
+                <a:effectLst/>
+              </a:rPr>
+              <a:t>, it should </a:t>
+            </a:r>
+            <a:r>
+              <a:rPr lang="en-AU" b="1" dirty="0">
+                <a:solidFill>
+                  <a:srgbClr val="92D050"/>
+                </a:solidFill>
+                <a:effectLst/>
+              </a:rPr>
+              <a:t>ultimately</a:t>
+            </a:r>
+            <a:r>
+              <a:rPr lang="en-AU" b="1" dirty="0">
+                <a:solidFill>
+                  <a:srgbClr val="FF0000"/>
+                </a:solidFill>
+                <a:effectLst/>
+              </a:rPr>
+              <a:t> be handled/caught </a:t>
+            </a:r>
+            <a:r>
+              <a:rPr lang="en-AU" dirty="0">
+                <a:effectLst/>
+              </a:rPr>
+              <a:t>by some </a:t>
+            </a:r>
+            <a:r>
+              <a:rPr lang="en-AU" b="1" dirty="0">
+                <a:solidFill>
+                  <a:srgbClr val="FFC000"/>
+                </a:solidFill>
+                <a:effectLst/>
+              </a:rPr>
+              <a:t>catch block</a:t>
+            </a:r>
+          </a:p>
+          <a:p>
+            <a:pPr marL="1368000" lvl="4" indent="0">
+              <a:buNone/>
+            </a:pPr>
+            <a:r>
+              <a:rPr lang="en-AU" sz="1800" i="1" dirty="0">
+                <a:solidFill>
+                  <a:srgbClr val="00B0F0"/>
+                </a:solidFill>
+                <a:effectLst/>
+              </a:rPr>
+              <a:t>catch (</a:t>
+            </a:r>
+            <a:r>
+              <a:rPr lang="en-AU" sz="1800" i="1" dirty="0" err="1">
+                <a:solidFill>
+                  <a:srgbClr val="00B0F0"/>
+                </a:solidFill>
+                <a:effectLst/>
+              </a:rPr>
+              <a:t>myException</a:t>
+            </a:r>
+            <a:r>
+              <a:rPr lang="en-AU" sz="1800" i="1" dirty="0">
+                <a:solidFill>
+                  <a:srgbClr val="00B0F0"/>
+                </a:solidFill>
+                <a:effectLst/>
+              </a:rPr>
+              <a:t> </a:t>
+            </a:r>
+            <a:r>
+              <a:rPr lang="en-AU" sz="1800" b="1" i="1" dirty="0">
+                <a:solidFill>
+                  <a:srgbClr val="FF0000"/>
+                </a:solidFill>
+                <a:effectLst/>
+              </a:rPr>
+              <a:t>e</a:t>
+            </a:r>
+            <a:r>
+              <a:rPr lang="en-AU" sz="1800" i="1" dirty="0">
+                <a:solidFill>
+                  <a:srgbClr val="00B0F0"/>
+                </a:solidFill>
+                <a:effectLst/>
+              </a:rPr>
+              <a:t>) {</a:t>
+            </a:r>
+            <a:endParaRPr lang="en-AU" sz="1800" dirty="0">
+              <a:solidFill>
+                <a:srgbClr val="00B0F0"/>
+              </a:solidFill>
+              <a:effectLst/>
+            </a:endParaRPr>
+          </a:p>
+          <a:p>
+            <a:pPr marL="1368000" lvl="4" indent="0">
+              <a:buNone/>
+            </a:pPr>
+            <a:r>
+              <a:rPr lang="en-AU" sz="1800" i="1" dirty="0">
+                <a:solidFill>
+                  <a:srgbClr val="00B0F0"/>
+                </a:solidFill>
+                <a:effectLst/>
+              </a:rPr>
+              <a:t>	ExceptionHandlingCode}</a:t>
+            </a:r>
+            <a:endParaRPr lang="en-AU" sz="1800" dirty="0">
+              <a:solidFill>
+                <a:srgbClr val="00B0F0"/>
+              </a:solidFill>
+              <a:effectLst/>
+            </a:endParaRPr>
+          </a:p>
+          <a:p>
+            <a:r>
+              <a:rPr lang="en-AU" b="1" dirty="0">
+                <a:solidFill>
+                  <a:srgbClr val="FFC000"/>
+                </a:solidFill>
+                <a:effectLst/>
+              </a:rPr>
+              <a:t>e</a:t>
+            </a:r>
+            <a:r>
+              <a:rPr lang="en-AU" dirty="0">
+                <a:effectLst/>
+              </a:rPr>
+              <a:t> is called the </a:t>
+            </a:r>
+            <a:r>
+              <a:rPr lang="en-AU" b="1" dirty="0">
+                <a:solidFill>
+                  <a:srgbClr val="FFC000"/>
+                </a:solidFill>
+                <a:effectLst/>
+              </a:rPr>
+              <a:t>catch block parameter</a:t>
+            </a:r>
+          </a:p>
+          <a:p>
+            <a:pPr lvl="1"/>
+            <a:r>
+              <a:rPr lang="en-AU" dirty="0">
+                <a:effectLst/>
+              </a:rPr>
+              <a:t>specifies the </a:t>
+            </a:r>
+            <a:r>
+              <a:rPr lang="en-AU" b="1" dirty="0">
+                <a:solidFill>
+                  <a:srgbClr val="FF0000"/>
+                </a:solidFill>
+                <a:effectLst/>
+              </a:rPr>
+              <a:t>type </a:t>
+            </a:r>
+            <a:r>
+              <a:rPr lang="en-AU" dirty="0"/>
+              <a:t>and </a:t>
+            </a:r>
+            <a:r>
+              <a:rPr lang="en-AU" dirty="0">
+                <a:effectLst/>
+              </a:rPr>
+              <a:t>provides a </a:t>
+            </a:r>
+            <a:r>
+              <a:rPr lang="en-AU" b="1" dirty="0">
+                <a:solidFill>
+                  <a:srgbClr val="FF0000"/>
+                </a:solidFill>
+                <a:effectLst/>
+              </a:rPr>
+              <a:t>name</a:t>
+            </a:r>
+            <a:r>
+              <a:rPr lang="en-AU" dirty="0">
+                <a:effectLst/>
+              </a:rPr>
+              <a:t> of thrown exception object </a:t>
+            </a:r>
+          </a:p>
+          <a:p>
+            <a:pPr lvl="1"/>
+            <a:r>
+              <a:rPr lang="en-AU" dirty="0">
+                <a:effectLst/>
+              </a:rPr>
+              <a:t>The identifier </a:t>
+            </a:r>
+            <a:r>
+              <a:rPr lang="en-AU" b="1" dirty="0">
+                <a:solidFill>
+                  <a:srgbClr val="FFC000"/>
+                </a:solidFill>
+                <a:effectLst/>
+              </a:rPr>
+              <a:t>e</a:t>
+            </a:r>
+            <a:r>
+              <a:rPr lang="en-AU" dirty="0">
+                <a:effectLst/>
+              </a:rPr>
+              <a:t> is often used by convention, but </a:t>
+            </a:r>
+            <a:r>
+              <a:rPr lang="en-AU" dirty="0">
+                <a:solidFill>
+                  <a:srgbClr val="FF0000"/>
+                </a:solidFill>
+                <a:effectLst/>
+              </a:rPr>
+              <a:t>any non-keyword identifier can be used</a:t>
+            </a:r>
+          </a:p>
+        </p:txBody>
+      </p:sp>
+    </p:spTree>
+    <p:extLst>
+      <p:ext uri="{BB962C8B-B14F-4D97-AF65-F5344CB8AC3E}">
+        <p14:creationId xmlns:p14="http://schemas.microsoft.com/office/powerpoint/2010/main" val="3462895002"/>
+      </p:ext>
+    </p:extLst>
+  </p:cSld>
+  <p:clrMapOvr>
+    <a:masterClrMapping/>
+  </p:clrMapOvr>
+</p:sld>
+</file>
+
+<file path=ppt/slides/slide12.xml><?xml version="1.0" encoding="utf-8"?>
+<p:sld xmlns:a="http://schemas.openxmlformats.org/drawingml/2006/main" xmlns:r="http://schemas.openxmlformats.org/officeDocument/2006/relationships" xmlns:p="http://schemas.openxmlformats.org/presentationml/2006/main">
+  <p:cSld>
+    <p:spTree>
+      <p:nvGrpSpPr>
+        <p:cNvPr id="1" name=""/>
+        <p:cNvGrpSpPr/>
+        <p:nvPr/>
+      </p:nvGrpSpPr>
+      <p:grpSpPr>
+        <a:xfrm>
+          <a:off x="0" y="0"/>
+          <a:ext cx="0" cy="0"/>
+          <a:chOff x="0" y="0"/>
+          <a:chExt cx="0" cy="0"/>
+        </a:xfrm>
+      </p:grpSpPr>
+      <p:sp>
+        <p:nvSpPr>
+          <p:cNvPr id="2" name="Title 1">
+            <a:extLst>
+              <a:ext uri="{FF2B5EF4-FFF2-40B4-BE49-F238E27FC236}">
+                <a16:creationId xmlns:a16="http://schemas.microsoft.com/office/drawing/2014/main" id="{50502E96-4680-44B9-970F-1B462129727B}"/>
+              </a:ext>
+            </a:extLst>
+          </p:cNvPr>
+          <p:cNvSpPr>
+            <a:spLocks noGrp="1"/>
+          </p:cNvSpPr>
+          <p:nvPr>
+            <p:ph type="title"/>
+          </p:nvPr>
+        </p:nvSpPr>
+        <p:spPr/>
+        <p:txBody>
+          <a:bodyPr>
+            <a:normAutofit/>
+          </a:bodyPr>
+          <a:lstStyle/>
+          <a:p>
+            <a:r>
+              <a:rPr lang="en-AU" b="1" dirty="0">
+                <a:effectLst/>
+              </a:rPr>
+              <a:t>Exception Handling: Two ways</a:t>
+            </a:r>
+            <a:endParaRPr lang="en-AU" dirty="0"/>
+          </a:p>
+        </p:txBody>
+      </p:sp>
+      <p:sp>
+        <p:nvSpPr>
+          <p:cNvPr id="3" name="Content Placeholder 2">
+            <a:extLst>
+              <a:ext uri="{FF2B5EF4-FFF2-40B4-BE49-F238E27FC236}">
+                <a16:creationId xmlns:a16="http://schemas.microsoft.com/office/drawing/2014/main" id="{97E0FF47-17B3-4278-9F3D-FA75FAB6C7C3}"/>
+              </a:ext>
+            </a:extLst>
+          </p:cNvPr>
+          <p:cNvSpPr>
+            <a:spLocks noGrp="1"/>
+          </p:cNvSpPr>
+          <p:nvPr>
+            <p:ph idx="1"/>
+          </p:nvPr>
+        </p:nvSpPr>
+        <p:spPr>
+          <a:xfrm>
+            <a:off x="913795" y="1732449"/>
+            <a:ext cx="10353762" cy="4515951"/>
+          </a:xfrm>
+        </p:spPr>
+        <p:txBody>
+          <a:bodyPr>
+            <a:normAutofit lnSpcReduction="10000"/>
+          </a:bodyPr>
+          <a:lstStyle/>
+          <a:p>
+            <a:pPr marL="36900" indent="0">
+              <a:buNone/>
+            </a:pPr>
+            <a:r>
+              <a:rPr lang="en-AU" dirty="0">
+                <a:effectLst/>
+              </a:rPr>
+              <a:t>1. </a:t>
+            </a:r>
+            <a:r>
+              <a:rPr lang="en-AU" b="1" dirty="0">
+                <a:solidFill>
+                  <a:srgbClr val="00B0F0"/>
+                </a:solidFill>
+                <a:effectLst/>
+              </a:rPr>
+              <a:t>throw -- </a:t>
+            </a:r>
+            <a:r>
+              <a:rPr lang="en-AU" dirty="0">
+                <a:effectLst/>
+              </a:rPr>
+              <a:t>handles an exception in a </a:t>
+            </a:r>
+            <a:r>
+              <a:rPr lang="en-AU" b="1" dirty="0">
+                <a:solidFill>
+                  <a:srgbClr val="FFC000"/>
+                </a:solidFill>
+                <a:effectLst/>
+              </a:rPr>
+              <a:t>catch block</a:t>
+            </a:r>
+            <a:endParaRPr lang="en-AU" dirty="0">
+              <a:effectLst/>
+            </a:endParaRPr>
+          </a:p>
+          <a:p>
+            <a:pPr lvl="1"/>
+            <a:r>
+              <a:rPr lang="en-AU" b="1" dirty="0">
+                <a:solidFill>
+                  <a:srgbClr val="FFC000"/>
+                </a:solidFill>
+                <a:effectLst/>
+              </a:rPr>
+              <a:t>try block: throw</a:t>
+            </a:r>
+            <a:r>
+              <a:rPr lang="en-AU" dirty="0">
+                <a:effectLst/>
+              </a:rPr>
+              <a:t> an exception ,</a:t>
+            </a:r>
+          </a:p>
+          <a:p>
+            <a:pPr lvl="1"/>
+            <a:r>
+              <a:rPr lang="en-AU" b="1" dirty="0">
+                <a:solidFill>
+                  <a:srgbClr val="FFC000"/>
+                </a:solidFill>
+                <a:effectLst/>
+              </a:rPr>
+              <a:t>catch block: </a:t>
+            </a:r>
+            <a:r>
+              <a:rPr lang="en-AU" dirty="0">
+                <a:solidFill>
+                  <a:srgbClr val="FF0000"/>
+                </a:solidFill>
+                <a:effectLst/>
+              </a:rPr>
+              <a:t>caught</a:t>
+            </a:r>
+            <a:r>
+              <a:rPr lang="en-AU" dirty="0">
+                <a:effectLst/>
+              </a:rPr>
+              <a:t> the exception within </a:t>
+            </a:r>
+            <a:r>
+              <a:rPr lang="en-AU" b="1" dirty="0">
+                <a:effectLst/>
+              </a:rPr>
+              <a:t>the </a:t>
+            </a:r>
+            <a:r>
+              <a:rPr lang="en-AU" b="1" dirty="0">
+                <a:solidFill>
+                  <a:srgbClr val="92D050"/>
+                </a:solidFill>
+                <a:effectLst/>
+              </a:rPr>
+              <a:t>same method</a:t>
+            </a:r>
+          </a:p>
+          <a:p>
+            <a:endParaRPr lang="en-AU" dirty="0">
+              <a:effectLst/>
+            </a:endParaRPr>
+          </a:p>
+          <a:p>
+            <a:pPr marL="36900" indent="0">
+              <a:buNone/>
+            </a:pPr>
+            <a:r>
+              <a:rPr lang="en-AU" dirty="0">
+                <a:effectLst/>
+              </a:rPr>
+              <a:t>2. </a:t>
+            </a:r>
+            <a:r>
+              <a:rPr lang="en-AU" b="1" dirty="0">
+                <a:solidFill>
+                  <a:srgbClr val="00B0F0"/>
+                </a:solidFill>
+                <a:effectLst/>
+              </a:rPr>
+              <a:t>throws -- </a:t>
+            </a:r>
+            <a:r>
+              <a:rPr lang="en-AU" b="1" dirty="0">
+                <a:solidFill>
+                  <a:srgbClr val="92D050"/>
+                </a:solidFill>
+                <a:effectLst/>
+              </a:rPr>
+              <a:t>shift</a:t>
+            </a:r>
+            <a:r>
+              <a:rPr lang="en-AU" dirty="0">
+                <a:effectLst/>
+              </a:rPr>
+              <a:t> the exception handling responsibility </a:t>
+            </a:r>
+            <a:r>
+              <a:rPr lang="en-AU" dirty="0"/>
+              <a:t>to the method that </a:t>
+            </a:r>
+            <a:r>
+              <a:rPr lang="en-AU" b="1" dirty="0">
+                <a:solidFill>
+                  <a:srgbClr val="FF0000"/>
+                </a:solidFill>
+                <a:effectLst/>
+              </a:rPr>
+              <a:t>invoked</a:t>
+            </a:r>
+            <a:r>
+              <a:rPr lang="en-AU" dirty="0">
+                <a:solidFill>
+                  <a:srgbClr val="FF0000"/>
+                </a:solidFill>
+                <a:effectLst/>
+              </a:rPr>
+              <a:t> the </a:t>
+            </a:r>
+            <a:r>
+              <a:rPr lang="en-AU" dirty="0">
+                <a:solidFill>
+                  <a:srgbClr val="FFC000"/>
+                </a:solidFill>
+                <a:effectLst/>
+              </a:rPr>
+              <a:t>exception throwing method</a:t>
+            </a:r>
+            <a:endParaRPr lang="en-AU" b="1" dirty="0">
+              <a:solidFill>
+                <a:srgbClr val="00B0F0"/>
+              </a:solidFill>
+              <a:effectLst/>
+            </a:endParaRPr>
+          </a:p>
+          <a:p>
+            <a:pPr lvl="1"/>
+            <a:r>
+              <a:rPr lang="en-AU" b="1" dirty="0">
+                <a:solidFill>
+                  <a:srgbClr val="FFC000"/>
+                </a:solidFill>
+                <a:effectLst/>
+              </a:rPr>
+              <a:t>Declared</a:t>
+            </a:r>
+            <a:r>
+              <a:rPr lang="en-AU" dirty="0">
+                <a:effectLst/>
+              </a:rPr>
+              <a:t> at the </a:t>
+            </a:r>
+            <a:r>
+              <a:rPr lang="en-AU" b="1" dirty="0">
+                <a:solidFill>
+                  <a:srgbClr val="FFC000"/>
+                </a:solidFill>
+                <a:effectLst/>
+              </a:rPr>
+              <a:t>start of the method definition </a:t>
+            </a:r>
+            <a:r>
+              <a:rPr lang="en-AU" dirty="0">
+                <a:solidFill>
+                  <a:srgbClr val="FF0000"/>
+                </a:solidFill>
+                <a:effectLst/>
+              </a:rPr>
+              <a:t>by placing the exception class name</a:t>
+            </a:r>
+            <a:r>
+              <a:rPr lang="en-AU" dirty="0">
+                <a:effectLst/>
+              </a:rPr>
+              <a:t> in a </a:t>
+            </a:r>
+            <a:r>
+              <a:rPr lang="en-AU" b="1" dirty="0">
+                <a:solidFill>
+                  <a:srgbClr val="00B0F0"/>
+                </a:solidFill>
+                <a:effectLst/>
+              </a:rPr>
+              <a:t>throws</a:t>
+            </a:r>
+            <a:r>
+              <a:rPr lang="en-AU" b="1" dirty="0">
+                <a:solidFill>
+                  <a:srgbClr val="FFC000"/>
+                </a:solidFill>
+                <a:effectLst/>
+              </a:rPr>
+              <a:t> clause </a:t>
+            </a:r>
+            <a:endParaRPr lang="en-AU" b="1" dirty="0">
+              <a:solidFill>
+                <a:srgbClr val="00B0F0"/>
+              </a:solidFill>
+              <a:effectLst/>
+            </a:endParaRPr>
+          </a:p>
+          <a:p>
+            <a:pPr lvl="1"/>
+            <a:r>
+              <a:rPr lang="en-AU" dirty="0">
+                <a:effectLst/>
+              </a:rPr>
+              <a:t>The invoking method must handle the exception, unless it </a:t>
+            </a:r>
+            <a:r>
+              <a:rPr lang="en-AU" b="1" dirty="0">
+                <a:solidFill>
+                  <a:srgbClr val="92D050"/>
+                </a:solidFill>
+                <a:effectLst/>
+              </a:rPr>
+              <a:t>shift</a:t>
+            </a:r>
+            <a:r>
+              <a:rPr lang="en-AU" b="1" dirty="0">
+                <a:solidFill>
+                  <a:srgbClr val="FF0000"/>
+                </a:solidFill>
+                <a:effectLst/>
+              </a:rPr>
+              <a:t> the responsibility </a:t>
+            </a:r>
+            <a:r>
+              <a:rPr lang="en-AU" dirty="0">
+                <a:effectLst/>
+              </a:rPr>
+              <a:t>as well</a:t>
+            </a:r>
+          </a:p>
+          <a:p>
+            <a:pPr lvl="1"/>
+            <a:endParaRPr lang="en-AU" dirty="0">
+              <a:effectLst/>
+            </a:endParaRPr>
+          </a:p>
+          <a:p>
+            <a:r>
+              <a:rPr lang="en-AU" dirty="0">
+                <a:effectLst/>
+              </a:rPr>
+              <a:t>Ultimately, </a:t>
+            </a:r>
+            <a:r>
+              <a:rPr lang="en-AU" dirty="0">
+                <a:solidFill>
+                  <a:srgbClr val="FF0000"/>
+                </a:solidFill>
+                <a:effectLst/>
+              </a:rPr>
+              <a:t>every exception </a:t>
+            </a:r>
+            <a:r>
+              <a:rPr lang="en-AU" dirty="0">
+                <a:effectLst/>
+              </a:rPr>
+              <a:t>that is thrown </a:t>
+            </a:r>
+            <a:r>
+              <a:rPr lang="en-AU" b="1" dirty="0">
+                <a:solidFill>
+                  <a:srgbClr val="92D050"/>
+                </a:solidFill>
+                <a:effectLst/>
+              </a:rPr>
+              <a:t>must</a:t>
+            </a:r>
+            <a:r>
+              <a:rPr lang="en-AU" dirty="0">
+                <a:solidFill>
+                  <a:srgbClr val="92D050"/>
+                </a:solidFill>
+                <a:effectLst/>
+              </a:rPr>
+              <a:t> </a:t>
+            </a:r>
+            <a:r>
+              <a:rPr lang="en-AU" b="1" dirty="0">
+                <a:solidFill>
+                  <a:srgbClr val="92D050"/>
+                </a:solidFill>
+                <a:effectLst/>
+              </a:rPr>
+              <a:t>eventually</a:t>
+            </a:r>
+            <a:r>
+              <a:rPr lang="en-AU" dirty="0">
+                <a:solidFill>
+                  <a:srgbClr val="92D050"/>
+                </a:solidFill>
+                <a:effectLst/>
+              </a:rPr>
+              <a:t> </a:t>
+            </a:r>
+            <a:r>
+              <a:rPr lang="en-AU" dirty="0">
+                <a:effectLst/>
+              </a:rPr>
+              <a:t>be </a:t>
+            </a:r>
+            <a:r>
+              <a:rPr lang="en-AU" dirty="0">
+                <a:solidFill>
+                  <a:srgbClr val="FF0000"/>
+                </a:solidFill>
+                <a:effectLst/>
+              </a:rPr>
+              <a:t>caught/handled </a:t>
+            </a:r>
+            <a:r>
+              <a:rPr lang="en-AU" dirty="0">
+                <a:effectLst/>
+              </a:rPr>
+              <a:t>by a </a:t>
+            </a:r>
+            <a:r>
+              <a:rPr lang="en-AU" b="1" dirty="0">
+                <a:solidFill>
+                  <a:srgbClr val="FFC000"/>
+                </a:solidFill>
+                <a:effectLst/>
+              </a:rPr>
+              <a:t>catch block </a:t>
+            </a:r>
+            <a:r>
+              <a:rPr lang="en-AU" dirty="0">
+                <a:effectLst/>
+              </a:rPr>
+              <a:t>in some method that </a:t>
+            </a:r>
+            <a:r>
+              <a:rPr lang="en-AU" dirty="0">
+                <a:solidFill>
+                  <a:srgbClr val="FF0000"/>
+                </a:solidFill>
+                <a:effectLst/>
+              </a:rPr>
+              <a:t>does not just declare the exception </a:t>
+            </a:r>
+            <a:r>
+              <a:rPr lang="en-AU" dirty="0"/>
+              <a:t>class in a </a:t>
+            </a:r>
+            <a:r>
+              <a:rPr lang="en-AU" b="1" dirty="0">
+                <a:solidFill>
+                  <a:srgbClr val="00B0F0"/>
+                </a:solidFill>
+              </a:rPr>
+              <a:t>throws</a:t>
+            </a:r>
+            <a:r>
+              <a:rPr lang="en-AU" b="1" dirty="0">
+                <a:solidFill>
+                  <a:srgbClr val="FFC000"/>
+                </a:solidFill>
+              </a:rPr>
+              <a:t> clause</a:t>
+            </a:r>
+            <a:endParaRPr lang="en-AU" b="1" dirty="0">
+              <a:solidFill>
+                <a:srgbClr val="FFC000"/>
+              </a:solidFill>
+              <a:effectLst/>
+            </a:endParaRPr>
+          </a:p>
+          <a:p>
+            <a:endParaRPr lang="en-AU" dirty="0">
+              <a:solidFill>
+                <a:srgbClr val="FF0000"/>
+              </a:solidFill>
+              <a:effectLst/>
+            </a:endParaRPr>
+          </a:p>
+          <a:p>
+            <a:pPr lvl="1"/>
+            <a:endParaRPr lang="en-AU" b="1" dirty="0">
+              <a:solidFill>
+                <a:srgbClr val="FFC000"/>
+              </a:solidFill>
+              <a:effectLst/>
+            </a:endParaRPr>
+          </a:p>
+          <a:p>
+            <a:pPr marL="36900" indent="0">
+              <a:buNone/>
+            </a:pPr>
+            <a:endParaRPr lang="en-AU" dirty="0">
+              <a:effectLst/>
+            </a:endParaRPr>
+          </a:p>
+          <a:p>
+            <a:endParaRPr lang="en-AU" dirty="0"/>
+          </a:p>
+        </p:txBody>
+      </p:sp>
+    </p:spTree>
+    <p:extLst>
+      <p:ext uri="{BB962C8B-B14F-4D97-AF65-F5344CB8AC3E}">
+        <p14:creationId xmlns:p14="http://schemas.microsoft.com/office/powerpoint/2010/main" val="2113703686"/>
+      </p:ext>
+    </p:extLst>
+  </p:cSld>
+  <p:clrMapOvr>
+    <a:masterClrMapping/>
+  </p:clrMapOvr>
+</p:sld>
+</file>
+
+<file path=ppt/slides/slide13.xml><?xml version="1.0" encoding="utf-8"?>
+<p:sld xmlns:a="http://schemas.openxmlformats.org/drawingml/2006/main" xmlns:r="http://schemas.openxmlformats.org/officeDocument/2006/relationships" xmlns:p="http://schemas.openxmlformats.org/presentationml/2006/main">
+  <p:cSld>
+    <p:spTree>
+      <p:nvGrpSpPr>
+        <p:cNvPr id="1" name=""/>
+        <p:cNvGrpSpPr/>
+        <p:nvPr/>
+      </p:nvGrpSpPr>
+      <p:grpSpPr>
+        <a:xfrm>
+          <a:off x="0" y="0"/>
+          <a:ext cx="0" cy="0"/>
+          <a:chOff x="0" y="0"/>
+          <a:chExt cx="0" cy="0"/>
+        </a:xfrm>
+      </p:grpSpPr>
+      <p:sp>
+        <p:nvSpPr>
+          <p:cNvPr id="2" name="Title 1">
+            <a:extLst>
+              <a:ext uri="{FF2B5EF4-FFF2-40B4-BE49-F238E27FC236}">
                 <a16:creationId xmlns:a16="http://schemas.microsoft.com/office/drawing/2014/main" id="{BA6A9A6C-96CD-471B-B480-CD3095B46E82}"/>
               </a:ext>
             </a:extLst>
@@ -7001,7 +7998,7 @@
 </p:sld>
 </file>
 
-<file path=ppt/slides/slide12.xml><?xml version="1.0" encoding="utf-8"?>
+<file path=ppt/slides/slide14.xml><?xml version="1.0" encoding="utf-8"?>
 <p:sld xmlns:a="http://schemas.openxmlformats.org/drawingml/2006/main" xmlns:r="http://schemas.openxmlformats.org/officeDocument/2006/relationships" xmlns:p="http://schemas.openxmlformats.org/presentationml/2006/main">
   <p:cSld>
     <p:spTree>
@@ -7345,7 +8342,7 @@
 </p:sld>
 </file>
 
-<file path=ppt/slides/slide13.xml><?xml version="1.0" encoding="utf-8"?>
+<file path=ppt/slides/slide15.xml><?xml version="1.0" encoding="utf-8"?>
 <p:sld xmlns:a="http://schemas.openxmlformats.org/drawingml/2006/main" xmlns:r="http://schemas.openxmlformats.org/officeDocument/2006/relationships" xmlns:p="http://schemas.openxmlformats.org/presentationml/2006/main">
   <p:cSld>
     <p:spTree>
@@ -7617,7 +8614,7 @@
 </p:sld>
 </file>
 
-<file path=ppt/slides/slide14.xml><?xml version="1.0" encoding="utf-8"?>
+<file path=ppt/slides/slide16.xml><?xml version="1.0" encoding="utf-8"?>
 <p:sld xmlns:a="http://schemas.openxmlformats.org/drawingml/2006/main" xmlns:r="http://schemas.openxmlformats.org/officeDocument/2006/relationships" xmlns:p="http://schemas.openxmlformats.org/presentationml/2006/main">
   <p:cSld>
     <p:spTree>
@@ -7920,7 +8917,7 @@
 </p:sld>
 </file>
 
-<file path=ppt/slides/slide15.xml><?xml version="1.0" encoding="utf-8"?>
+<file path=ppt/slides/slide17.xml><?xml version="1.0" encoding="utf-8"?>
 <p:sld xmlns:a="http://schemas.openxmlformats.org/drawingml/2006/main" xmlns:r="http://schemas.openxmlformats.org/officeDocument/2006/relationships" xmlns:p="http://schemas.openxmlformats.org/presentationml/2006/main">
   <p:cSld>
     <p:spTree>
@@ -8048,8 +9045,8 @@
         </p:blipFill>
         <p:spPr>
           <a:xfrm>
-            <a:off x="4314263" y="2941195"/>
-            <a:ext cx="3552825" cy="2295525"/>
+            <a:off x="3601103" y="2574111"/>
+            <a:ext cx="4979146" cy="3217089"/>
           </a:xfrm>
           <a:prstGeom prst="rect">
             <a:avLst/>
@@ -8069,7 +9066,7 @@
 </p:sld>
 </file>
 
-<file path=ppt/slides/slide16.xml><?xml version="1.0" encoding="utf-8"?>
+<file path=ppt/slides/slide18.xml><?xml version="1.0" encoding="utf-8"?>
 <p:sld xmlns:a="http://schemas.openxmlformats.org/drawingml/2006/main" xmlns:r="http://schemas.openxmlformats.org/officeDocument/2006/relationships" xmlns:p="http://schemas.openxmlformats.org/presentationml/2006/main">
   <p:cSld>
     <p:spTree>
@@ -8210,6 +9207,148 @@
 </p:sld>
 </file>
 
+<file path=ppt/slides/slide19.xml><?xml version="1.0" encoding="utf-8"?>
+<p:sld xmlns:a="http://schemas.openxmlformats.org/drawingml/2006/main" xmlns:r="http://schemas.openxmlformats.org/officeDocument/2006/relationships" xmlns:p="http://schemas.openxmlformats.org/presentationml/2006/main">
+  <p:cSld>
+    <p:spTree>
+      <p:nvGrpSpPr>
+        <p:cNvPr id="1" name=""/>
+        <p:cNvGrpSpPr/>
+        <p:nvPr/>
+      </p:nvGrpSpPr>
+      <p:grpSpPr>
+        <a:xfrm>
+          <a:off x="0" y="0"/>
+          <a:ext cx="0" cy="0"/>
+          <a:chOff x="0" y="0"/>
+          <a:chExt cx="0" cy="0"/>
+        </a:xfrm>
+      </p:grpSpPr>
+      <p:sp>
+        <p:nvSpPr>
+          <p:cNvPr id="2" name="Title 1">
+            <a:extLst>
+              <a:ext uri="{FF2B5EF4-FFF2-40B4-BE49-F238E27FC236}">
+                <a16:creationId xmlns:a16="http://schemas.microsoft.com/office/drawing/2014/main" id="{FAC96ECF-3113-416C-A6B3-62668FDE4A2F}"/>
+              </a:ext>
+            </a:extLst>
+          </p:cNvPr>
+          <p:cNvSpPr>
+            <a:spLocks noGrp="1"/>
+          </p:cNvSpPr>
+          <p:nvPr>
+            <p:ph type="title"/>
+          </p:nvPr>
+        </p:nvSpPr>
+        <p:spPr/>
+        <p:txBody>
+          <a:bodyPr>
+            <a:normAutofit/>
+          </a:bodyPr>
+          <a:lstStyle/>
+          <a:p>
+            <a:r>
+              <a:rPr lang="en-AU" sz="4000" b="1" dirty="0"/>
+              <a:t>Assignment 2</a:t>
+            </a:r>
+            <a:endParaRPr lang="en-AU" b="1" dirty="0"/>
+          </a:p>
+        </p:txBody>
+      </p:sp>
+      <p:pic>
+        <p:nvPicPr>
+          <p:cNvPr id="5" name="Content Placeholder 4">
+            <a:extLst>
+              <a:ext uri="{FF2B5EF4-FFF2-40B4-BE49-F238E27FC236}">
+                <a16:creationId xmlns:a16="http://schemas.microsoft.com/office/drawing/2014/main" id="{E7DDA7DC-5B4B-47C8-AB4A-75253EE0A6A1}"/>
+              </a:ext>
+            </a:extLst>
+          </p:cNvPr>
+          <p:cNvPicPr>
+            <a:picLocks noGrp="1" noChangeAspect="1"/>
+          </p:cNvPicPr>
+          <p:nvPr>
+            <p:ph idx="1"/>
+          </p:nvPr>
+        </p:nvPicPr>
+        <p:blipFill>
+          <a:blip r:embed="rId2"/>
+          <a:stretch>
+            <a:fillRect/>
+          </a:stretch>
+        </p:blipFill>
+        <p:spPr>
+          <a:xfrm>
+            <a:off x="4257326" y="1731963"/>
+            <a:ext cx="3667822" cy="4059237"/>
+          </a:xfrm>
+        </p:spPr>
+      </p:pic>
+      <p:sp>
+        <p:nvSpPr>
+          <p:cNvPr id="6" name="Rectangle 5">
+            <a:extLst>
+              <a:ext uri="{FF2B5EF4-FFF2-40B4-BE49-F238E27FC236}">
+                <a16:creationId xmlns:a16="http://schemas.microsoft.com/office/drawing/2014/main" id="{37FC295C-AC8A-4627-BD77-5FA637DC76B0}"/>
+              </a:ext>
+            </a:extLst>
+          </p:cNvPr>
+          <p:cNvSpPr/>
+          <p:nvPr/>
+        </p:nvSpPr>
+        <p:spPr>
+          <a:xfrm>
+            <a:off x="4492487" y="4412974"/>
+            <a:ext cx="2806810" cy="365760"/>
+          </a:xfrm>
+          <a:prstGeom prst="rect">
+            <a:avLst/>
+          </a:prstGeom>
+          <a:noFill/>
+          <a:ln>
+            <a:solidFill>
+              <a:srgbClr val="FF0000"/>
+            </a:solidFill>
+          </a:ln>
+        </p:spPr>
+        <p:style>
+          <a:lnRef idx="2">
+            <a:schemeClr val="accent1">
+              <a:shade val="50000"/>
+            </a:schemeClr>
+          </a:lnRef>
+          <a:fillRef idx="1">
+            <a:schemeClr val="accent1"/>
+          </a:fillRef>
+          <a:effectRef idx="0">
+            <a:schemeClr val="accent1"/>
+          </a:effectRef>
+          <a:fontRef idx="minor">
+            <a:schemeClr val="lt1"/>
+          </a:fontRef>
+        </p:style>
+        <p:txBody>
+          <a:bodyPr rtlCol="0" anchor="ctr"/>
+          <a:lstStyle/>
+          <a:p>
+            <a:pPr algn="ctr"/>
+            <a:endParaRPr lang="en-AU"/>
+          </a:p>
+        </p:txBody>
+      </p:sp>
+    </p:spTree>
+    <p:extLst>
+      <p:ext uri="{BB962C8B-B14F-4D97-AF65-F5344CB8AC3E}">
+        <p14:creationId xmlns:p14="http://schemas.microsoft.com/office/powerpoint/2010/main" val="193780499"/>
+      </p:ext>
+    </p:extLst>
+  </p:cSld>
+  <p:clrMapOvr>
+    <a:masterClrMapping/>
+  </p:clrMapOvr>
+</p:sld>
+</file>
+
 <file path=ppt/slides/slide2.xml><?xml version="1.0" encoding="utf-8"?>
 <p:sld xmlns:a="http://schemas.openxmlformats.org/drawingml/2006/main" xmlns:r="http://schemas.openxmlformats.org/officeDocument/2006/relationships" xmlns:p="http://schemas.openxmlformats.org/presentationml/2006/main">
   <p:cSld>
@@ -8433,6 +9572,136 @@
     <p:extLst>
       <p:ext uri="{BB962C8B-B14F-4D97-AF65-F5344CB8AC3E}">
         <p14:creationId xmlns:p14="http://schemas.microsoft.com/office/powerpoint/2010/main" val="1232963584"/>
+      </p:ext>
+    </p:extLst>
+  </p:cSld>
+  <p:clrMapOvr>
+    <a:masterClrMapping/>
+  </p:clrMapOvr>
+</p:sld>
+</file>
+
+<file path=ppt/slides/slide20.xml><?xml version="1.0" encoding="utf-8"?>
+<p:sld xmlns:a="http://schemas.openxmlformats.org/drawingml/2006/main" xmlns:r="http://schemas.openxmlformats.org/officeDocument/2006/relationships" xmlns:p="http://schemas.openxmlformats.org/presentationml/2006/main">
+  <p:cSld>
+    <p:spTree>
+      <p:nvGrpSpPr>
+        <p:cNvPr id="1" name=""/>
+        <p:cNvGrpSpPr/>
+        <p:nvPr/>
+      </p:nvGrpSpPr>
+      <p:grpSpPr>
+        <a:xfrm>
+          <a:off x="0" y="0"/>
+          <a:ext cx="0" cy="0"/>
+          <a:chOff x="0" y="0"/>
+          <a:chExt cx="0" cy="0"/>
+        </a:xfrm>
+      </p:grpSpPr>
+      <p:sp>
+        <p:nvSpPr>
+          <p:cNvPr id="2" name="Title 1">
+            <a:extLst>
+              <a:ext uri="{FF2B5EF4-FFF2-40B4-BE49-F238E27FC236}">
+                <a16:creationId xmlns:a16="http://schemas.microsoft.com/office/drawing/2014/main" id="{23DBC5C5-BCA9-49B3-8177-6975BFAB96B5}"/>
+              </a:ext>
+            </a:extLst>
+          </p:cNvPr>
+          <p:cNvSpPr>
+            <a:spLocks noGrp="1"/>
+          </p:cNvSpPr>
+          <p:nvPr>
+            <p:ph type="title"/>
+          </p:nvPr>
+        </p:nvSpPr>
+        <p:spPr/>
+        <p:txBody>
+          <a:bodyPr/>
+          <a:lstStyle/>
+          <a:p>
+            <a:r>
+              <a:rPr lang="en-AU" b="1" dirty="0"/>
+              <a:t>Inconsistency for startadvancedgame</a:t>
+            </a:r>
+          </a:p>
+        </p:txBody>
+      </p:sp>
+      <p:pic>
+        <p:nvPicPr>
+          <p:cNvPr id="7" name="Picture 6">
+            <a:extLst>
+              <a:ext uri="{FF2B5EF4-FFF2-40B4-BE49-F238E27FC236}">
+                <a16:creationId xmlns:a16="http://schemas.microsoft.com/office/drawing/2014/main" id="{7C98E287-CF67-480C-B765-0AC9D89E94F0}"/>
+              </a:ext>
+            </a:extLst>
+          </p:cNvPr>
+          <p:cNvPicPr>
+            <a:picLocks noChangeAspect="1"/>
+          </p:cNvPicPr>
+          <p:nvPr/>
+        </p:nvPicPr>
+        <p:blipFill>
+          <a:blip r:embed="rId2"/>
+          <a:stretch>
+            <a:fillRect/>
+          </a:stretch>
+        </p:blipFill>
+        <p:spPr>
+          <a:xfrm>
+            <a:off x="6583680" y="1580050"/>
+            <a:ext cx="5023293" cy="4834503"/>
+          </a:xfrm>
+          <a:prstGeom prst="rect">
+            <a:avLst/>
+          </a:prstGeom>
+        </p:spPr>
+      </p:pic>
+      <p:sp>
+        <p:nvSpPr>
+          <p:cNvPr id="9" name="Content Placeholder 8">
+            <a:extLst>
+              <a:ext uri="{FF2B5EF4-FFF2-40B4-BE49-F238E27FC236}">
+                <a16:creationId xmlns:a16="http://schemas.microsoft.com/office/drawing/2014/main" id="{234E767D-D3E7-4C2F-BDFD-131D6E608258}"/>
+              </a:ext>
+            </a:extLst>
+          </p:cNvPr>
+          <p:cNvSpPr>
+            <a:spLocks noGrp="1"/>
+          </p:cNvSpPr>
+          <p:nvPr>
+            <p:ph idx="1"/>
+          </p:nvPr>
+        </p:nvSpPr>
+        <p:spPr>
+          <a:xfrm>
+            <a:off x="913795" y="1732449"/>
+            <a:ext cx="4397676" cy="4058751"/>
+          </a:xfrm>
+        </p:spPr>
+        <p:txBody>
+          <a:bodyPr/>
+          <a:lstStyle/>
+          <a:p>
+            <a:r>
+              <a:rPr lang="en-AU" dirty="0"/>
+              <a:t>For the advanced game, the method should not include “upperbound”. (Follow the bonus task pdf)</a:t>
+            </a:r>
+          </a:p>
+          <a:p>
+            <a:endParaRPr lang="en-AU" dirty="0"/>
+          </a:p>
+          <a:p>
+            <a:r>
+              <a:rPr lang="en-AU" dirty="0"/>
+              <a:t>For marking purpose, there will be no deduction if you include the upperbound parameter in your commands list</a:t>
+            </a:r>
+          </a:p>
+        </p:txBody>
+      </p:sp>
+    </p:spTree>
+    <p:extLst>
+      <p:ext uri="{BB962C8B-B14F-4D97-AF65-F5344CB8AC3E}">
+        <p14:creationId xmlns:p14="http://schemas.microsoft.com/office/powerpoint/2010/main" val="3455264395"/>
       </p:ext>
     </p:extLst>
   </p:cSld>
@@ -8507,13 +9776,13 @@
         </p:nvSpPr>
         <p:spPr>
           <a:xfrm>
-            <a:off x="3808607" y="1647783"/>
-            <a:ext cx="4564138" cy="4058751"/>
+            <a:off x="3411052" y="1663686"/>
+            <a:ext cx="5359247" cy="4058751"/>
           </a:xfrm>
         </p:spPr>
         <p:txBody>
           <a:bodyPr>
-            <a:normAutofit/>
+            <a:normAutofit fontScale="70000" lnSpcReduction="20000"/>
           </a:bodyPr>
           <a:lstStyle/>
           <a:p>
@@ -8522,11 +9791,11 @@
           <a:p>
             <a:r>
               <a:rPr lang="en-AU" sz="4000" dirty="0"/>
-              <a:t> Lecture Review</a:t>
-            </a:r>
-          </a:p>
-          <a:p>
-            <a:pPr marL="0" indent="0">
+              <a:t> Assignment 1 Feedback</a:t>
+            </a:r>
+          </a:p>
+          <a:p>
+            <a:pPr marL="36900" indent="0">
               <a:buNone/>
             </a:pPr>
             <a:endParaRPr lang="en-AU" sz="4000" dirty="0"/>
@@ -8534,7 +9803,28 @@
           <a:p>
             <a:r>
               <a:rPr lang="en-AU" sz="4000" dirty="0"/>
+              <a:t> Lecture Review</a:t>
+            </a:r>
+          </a:p>
+          <a:p>
+            <a:pPr marL="0" indent="0">
+              <a:buNone/>
+            </a:pPr>
+            <a:endParaRPr lang="en-AU" sz="4000" dirty="0"/>
+          </a:p>
+          <a:p>
+            <a:r>
+              <a:rPr lang="en-AU" sz="4000" dirty="0"/>
               <a:t> Exercise</a:t>
+            </a:r>
+          </a:p>
+          <a:p>
+            <a:endParaRPr lang="en-AU" sz="4000" dirty="0"/>
+          </a:p>
+          <a:p>
+            <a:r>
+              <a:rPr lang="en-AU" sz="4000" dirty="0"/>
+              <a:t> Assignment 2</a:t>
             </a:r>
           </a:p>
         </p:txBody>
@@ -8574,6 +9864,301 @@
           <p:cNvPr id="2" name="Title 1">
             <a:extLst>
               <a:ext uri="{FF2B5EF4-FFF2-40B4-BE49-F238E27FC236}">
+                <a16:creationId xmlns:a16="http://schemas.microsoft.com/office/drawing/2014/main" id="{B3D886BB-E1CB-4FDF-8D34-14EE187CA7ED}"/>
+              </a:ext>
+            </a:extLst>
+          </p:cNvPr>
+          <p:cNvSpPr>
+            <a:spLocks noGrp="1"/>
+          </p:cNvSpPr>
+          <p:nvPr>
+            <p:ph type="title"/>
+          </p:nvPr>
+        </p:nvSpPr>
+        <p:spPr/>
+        <p:txBody>
+          <a:bodyPr>
+            <a:normAutofit/>
+          </a:bodyPr>
+          <a:lstStyle/>
+          <a:p>
+            <a:r>
+              <a:rPr lang="en-AU" sz="4000" b="1" dirty="0"/>
+              <a:t>Assignment 1 Feedback</a:t>
+            </a:r>
+            <a:endParaRPr lang="en-AU" b="1" dirty="0"/>
+          </a:p>
+        </p:txBody>
+      </p:sp>
+      <p:sp>
+        <p:nvSpPr>
+          <p:cNvPr id="3" name="Content Placeholder 2">
+            <a:extLst>
+              <a:ext uri="{FF2B5EF4-FFF2-40B4-BE49-F238E27FC236}">
+                <a16:creationId xmlns:a16="http://schemas.microsoft.com/office/drawing/2014/main" id="{4CFC8C93-EF76-46C3-8F98-3E79DB22DAEA}"/>
+              </a:ext>
+            </a:extLst>
+          </p:cNvPr>
+          <p:cNvSpPr>
+            <a:spLocks noGrp="1"/>
+          </p:cNvSpPr>
+          <p:nvPr>
+            <p:ph idx="1"/>
+          </p:nvPr>
+        </p:nvSpPr>
+        <p:spPr/>
+        <p:txBody>
+          <a:bodyPr/>
+          <a:lstStyle/>
+          <a:p>
+            <a:r>
+              <a:rPr lang="en-AU" dirty="0"/>
+              <a:t>Congratulations everyone! </a:t>
+            </a:r>
+          </a:p>
+          <a:p>
+            <a:r>
+              <a:rPr lang="en-AU" dirty="0"/>
+              <a:t>You have done an excellent job in Assignment 1! If you achieved a mark higher than 12 out of 15 (80%), that actually is H1 grade! </a:t>
+            </a:r>
+          </a:p>
+          <a:p>
+            <a:endParaRPr lang="en-AU" dirty="0"/>
+          </a:p>
+          <a:p>
+            <a:r>
+              <a:rPr lang="en-AU" dirty="0"/>
+              <a:t>Files in your feedback folder. Which are </a:t>
+            </a:r>
+          </a:p>
+          <a:p>
+            <a:pPr lvl="1"/>
+            <a:r>
+              <a:rPr lang="en-AU" dirty="0"/>
+              <a:t>a) input1 &amp; input2, the tests for marking; </a:t>
+            </a:r>
+          </a:p>
+          <a:p>
+            <a:pPr lvl="1"/>
+            <a:r>
+              <a:rPr lang="en-AU" dirty="0"/>
+              <a:t>b) output1 &amp; output2, the expected output for tests;</a:t>
+            </a:r>
+          </a:p>
+          <a:p>
+            <a:pPr lvl="1"/>
+            <a:r>
+              <a:rPr lang="en-AU" dirty="0"/>
+              <a:t>c) mark.txt, the output file showing you the differences using "sdiff";</a:t>
+            </a:r>
+          </a:p>
+          <a:p>
+            <a:pPr lvl="1"/>
+            <a:r>
+              <a:rPr lang="en-AU" dirty="0"/>
+              <a:t>d) Marking_guide.docx, the feedback file.</a:t>
+            </a:r>
+          </a:p>
+        </p:txBody>
+      </p:sp>
+    </p:spTree>
+    <p:extLst>
+      <p:ext uri="{BB962C8B-B14F-4D97-AF65-F5344CB8AC3E}">
+        <p14:creationId xmlns:p14="http://schemas.microsoft.com/office/powerpoint/2010/main" val="4282267759"/>
+      </p:ext>
+    </p:extLst>
+  </p:cSld>
+  <p:clrMapOvr>
+    <a:masterClrMapping/>
+  </p:clrMapOvr>
+</p:sld>
+</file>
+
+<file path=ppt/slides/slide5.xml><?xml version="1.0" encoding="utf-8"?>
+<p:sld xmlns:a="http://schemas.openxmlformats.org/drawingml/2006/main" xmlns:r="http://schemas.openxmlformats.org/officeDocument/2006/relationships" xmlns:p="http://schemas.openxmlformats.org/presentationml/2006/main">
+  <p:cSld>
+    <p:spTree>
+      <p:nvGrpSpPr>
+        <p:cNvPr id="1" name=""/>
+        <p:cNvGrpSpPr/>
+        <p:nvPr/>
+      </p:nvGrpSpPr>
+      <p:grpSpPr>
+        <a:xfrm>
+          <a:off x="0" y="0"/>
+          <a:ext cx="0" cy="0"/>
+          <a:chOff x="0" y="0"/>
+          <a:chExt cx="0" cy="0"/>
+        </a:xfrm>
+      </p:grpSpPr>
+      <p:sp>
+        <p:nvSpPr>
+          <p:cNvPr id="2" name="Title 1">
+            <a:extLst>
+              <a:ext uri="{FF2B5EF4-FFF2-40B4-BE49-F238E27FC236}">
+                <a16:creationId xmlns:a16="http://schemas.microsoft.com/office/drawing/2014/main" id="{4188213C-10B1-46BA-84A4-9E752CC26D59}"/>
+              </a:ext>
+            </a:extLst>
+          </p:cNvPr>
+          <p:cNvSpPr>
+            <a:spLocks noGrp="1"/>
+          </p:cNvSpPr>
+          <p:nvPr>
+            <p:ph type="title"/>
+          </p:nvPr>
+        </p:nvSpPr>
+        <p:spPr/>
+        <p:txBody>
+          <a:bodyPr/>
+          <a:lstStyle/>
+          <a:p>
+            <a:r>
+              <a:rPr lang="en-AU" sz="4000" b="1" dirty="0"/>
+              <a:t>Assignment 1 Feedback</a:t>
+            </a:r>
+            <a:endParaRPr lang="en-AU" dirty="0"/>
+          </a:p>
+        </p:txBody>
+      </p:sp>
+      <p:sp>
+        <p:nvSpPr>
+          <p:cNvPr id="3" name="Content Placeholder 2">
+            <a:extLst>
+              <a:ext uri="{FF2B5EF4-FFF2-40B4-BE49-F238E27FC236}">
+                <a16:creationId xmlns:a16="http://schemas.microsoft.com/office/drawing/2014/main" id="{85315964-C5C2-44E4-A2EF-F9A9422A1466}"/>
+              </a:ext>
+            </a:extLst>
+          </p:cNvPr>
+          <p:cNvSpPr>
+            <a:spLocks noGrp="1"/>
+          </p:cNvSpPr>
+          <p:nvPr>
+            <p:ph idx="1"/>
+          </p:nvPr>
+        </p:nvSpPr>
+        <p:spPr>
+          <a:xfrm>
+            <a:off x="913795" y="1732449"/>
+            <a:ext cx="10353762" cy="4867134"/>
+          </a:xfrm>
+        </p:spPr>
+        <p:txBody>
+          <a:bodyPr>
+            <a:normAutofit lnSpcReduction="10000"/>
+          </a:bodyPr>
+          <a:lstStyle/>
+          <a:p>
+            <a:r>
+              <a:rPr lang="en-AU" dirty="0"/>
+              <a:t>a) NimPlayer Instances</a:t>
+            </a:r>
+          </a:p>
+          <a:p>
+            <a:pPr lvl="1"/>
+            <a:r>
+              <a:rPr lang="en-AU" dirty="0"/>
+              <a:t>You need to create two instances of NimPlayer to finish your task</a:t>
+            </a:r>
+          </a:p>
+          <a:p>
+            <a:r>
+              <a:rPr lang="en-AU" dirty="0"/>
+              <a:t>b) Static method (not more than 3 in this task)</a:t>
+            </a:r>
+          </a:p>
+          <a:p>
+            <a:pPr lvl="1"/>
+            <a:r>
+              <a:rPr lang="en-AU" dirty="0"/>
+              <a:t>You need to avoid using too many static methods, which is not follow the OOP concept.</a:t>
+            </a:r>
+          </a:p>
+          <a:p>
+            <a:r>
+              <a:rPr lang="en-AU" dirty="0"/>
+              <a:t>c) removeStone()</a:t>
+            </a:r>
+          </a:p>
+          <a:p>
+            <a:pPr lvl="1"/>
+            <a:r>
+              <a:rPr lang="en-AU" dirty="0"/>
+              <a:t>NimPlayer class should also have a removeStone() method that returns the number of stones the player wants to remove in his/her turn.</a:t>
+            </a:r>
+          </a:p>
+          <a:p>
+            <a:r>
+              <a:rPr lang="en-AU" dirty="0"/>
+              <a:t>d) Bad variable names</a:t>
+            </a:r>
+          </a:p>
+          <a:p>
+            <a:pPr lvl="1"/>
+            <a:r>
+              <a:rPr lang="en-AU" dirty="0"/>
+              <a:t>The name like k or n are considered as a bad variable name, and you should make them more intuitive, i.e. upperBound, initialStonesNo</a:t>
+            </a:r>
+          </a:p>
+          <a:p>
+            <a:r>
+              <a:rPr lang="en-AU" dirty="0"/>
+              <a:t>e) Lines &gt;100 chars</a:t>
+            </a:r>
+          </a:p>
+          <a:p>
+            <a:pPr lvl="1"/>
+            <a:r>
+              <a:rPr lang="en-AU" dirty="0"/>
+              <a:t>Too many characters in a single line. Exceed the IDE suggested boundary</a:t>
+            </a:r>
+          </a:p>
+          <a:p>
+            <a:r>
+              <a:rPr lang="en-AU" b="1" dirty="0">
+                <a:solidFill>
+                  <a:srgbClr val="FF0000"/>
+                </a:solidFill>
+              </a:rPr>
+              <a:t>Academic Integrity</a:t>
+            </a:r>
+          </a:p>
+        </p:txBody>
+      </p:sp>
+    </p:spTree>
+    <p:extLst>
+      <p:ext uri="{BB962C8B-B14F-4D97-AF65-F5344CB8AC3E}">
+        <p14:creationId xmlns:p14="http://schemas.microsoft.com/office/powerpoint/2010/main" val="761689664"/>
+      </p:ext>
+    </p:extLst>
+  </p:cSld>
+  <p:clrMapOvr>
+    <a:masterClrMapping/>
+  </p:clrMapOvr>
+</p:sld>
+</file>
+
+<file path=ppt/slides/slide6.xml><?xml version="1.0" encoding="utf-8"?>
+<p:sld xmlns:a="http://schemas.openxmlformats.org/drawingml/2006/main" xmlns:r="http://schemas.openxmlformats.org/officeDocument/2006/relationships" xmlns:p="http://schemas.openxmlformats.org/presentationml/2006/main">
+  <p:cSld>
+    <p:spTree>
+      <p:nvGrpSpPr>
+        <p:cNvPr id="1" name=""/>
+        <p:cNvGrpSpPr/>
+        <p:nvPr/>
+      </p:nvGrpSpPr>
+      <p:grpSpPr>
+        <a:xfrm>
+          <a:off x="0" y="0"/>
+          <a:ext cx="0" cy="0"/>
+          <a:chOff x="0" y="0"/>
+          <a:chExt cx="0" cy="0"/>
+        </a:xfrm>
+      </p:grpSpPr>
+      <p:sp>
+        <p:nvSpPr>
+          <p:cNvPr id="2" name="Title 1">
+            <a:extLst>
+              <a:ext uri="{FF2B5EF4-FFF2-40B4-BE49-F238E27FC236}">
                 <a16:creationId xmlns:a16="http://schemas.microsoft.com/office/drawing/2014/main" id="{7A873621-9C17-4243-A45D-66D26AE38FB9}"/>
               </a:ext>
             </a:extLst>
@@ -8729,7 +10314,7 @@
 </p:sld>
 </file>
 
-<file path=ppt/slides/slide5.xml><?xml version="1.0" encoding="utf-8"?>
+<file path=ppt/slides/slide7.xml><?xml version="1.0" encoding="utf-8"?>
 <p:sld xmlns:a="http://schemas.openxmlformats.org/drawingml/2006/main" xmlns:r="http://schemas.openxmlformats.org/officeDocument/2006/relationships" xmlns:p="http://schemas.openxmlformats.org/presentationml/2006/main">
   <p:cSld>
     <p:spTree>
@@ -8923,7 +10508,7 @@
 </p:sld>
 </file>
 
-<file path=ppt/slides/slide6.xml><?xml version="1.0" encoding="utf-8"?>
+<file path=ppt/slides/slide8.xml><?xml version="1.0" encoding="utf-8"?>
 <p:sld xmlns:a="http://schemas.openxmlformats.org/drawingml/2006/main" xmlns:r="http://schemas.openxmlformats.org/officeDocument/2006/relationships" xmlns:p="http://schemas.openxmlformats.org/presentationml/2006/main">
   <p:cSld>
     <p:spTree>
@@ -9855,7 +11440,7 @@
 </p:sld>
 </file>
 
-<file path=ppt/slides/slide7.xml><?xml version="1.0" encoding="utf-8"?>
+<file path=ppt/slides/slide9.xml><?xml version="1.0" encoding="utf-8"?>
 <p:sld xmlns:a="http://schemas.openxmlformats.org/drawingml/2006/main" xmlns:r="http://schemas.openxmlformats.org/officeDocument/2006/relationships" xmlns:p="http://schemas.openxmlformats.org/presentationml/2006/main">
   <p:cSld>
     <p:spTree>
@@ -9937,981 +11522,6 @@
     <p:extLst>
       <p:ext uri="{BB962C8B-B14F-4D97-AF65-F5344CB8AC3E}">
         <p14:creationId xmlns:p14="http://schemas.microsoft.com/office/powerpoint/2010/main" val="3624147464"/>
-      </p:ext>
-    </p:extLst>
-  </p:cSld>
-  <p:clrMapOvr>
-    <a:masterClrMapping/>
-  </p:clrMapOvr>
-</p:sld>
-</file>
-
-<file path=ppt/slides/slide8.xml><?xml version="1.0" encoding="utf-8"?>
-<p:sld xmlns:a="http://schemas.openxmlformats.org/drawingml/2006/main" xmlns:r="http://schemas.openxmlformats.org/officeDocument/2006/relationships" xmlns:p="http://schemas.openxmlformats.org/presentationml/2006/main">
-  <p:cSld>
-    <p:spTree>
-      <p:nvGrpSpPr>
-        <p:cNvPr id="1" name=""/>
-        <p:cNvGrpSpPr/>
-        <p:nvPr/>
-      </p:nvGrpSpPr>
-      <p:grpSpPr>
-        <a:xfrm>
-          <a:off x="0" y="0"/>
-          <a:ext cx="0" cy="0"/>
-          <a:chOff x="0" y="0"/>
-          <a:chExt cx="0" cy="0"/>
-        </a:xfrm>
-      </p:grpSpPr>
-      <p:sp>
-        <p:nvSpPr>
-          <p:cNvPr id="2" name="Title 1">
-            <a:extLst>
-              <a:ext uri="{FF2B5EF4-FFF2-40B4-BE49-F238E27FC236}">
-                <a16:creationId xmlns:a16="http://schemas.microsoft.com/office/drawing/2014/main" id="{C2801080-7D21-4A8C-9ED3-B12927D2FC0C}"/>
-              </a:ext>
-            </a:extLst>
-          </p:cNvPr>
-          <p:cNvSpPr>
-            <a:spLocks noGrp="1"/>
-          </p:cNvSpPr>
-          <p:nvPr>
-            <p:ph type="title"/>
-          </p:nvPr>
-        </p:nvSpPr>
-        <p:spPr/>
-        <p:txBody>
-          <a:bodyPr>
-            <a:normAutofit/>
-          </a:bodyPr>
-          <a:lstStyle/>
-          <a:p>
-            <a:r>
-              <a:rPr lang="en-AU" b="1" dirty="0"/>
-              <a:t>try</a:t>
-            </a:r>
-          </a:p>
-        </p:txBody>
-      </p:sp>
-      <p:sp>
-        <p:nvSpPr>
-          <p:cNvPr id="3" name="Content Placeholder 2">
-            <a:extLst>
-              <a:ext uri="{FF2B5EF4-FFF2-40B4-BE49-F238E27FC236}">
-                <a16:creationId xmlns:a16="http://schemas.microsoft.com/office/drawing/2014/main" id="{A6ACD843-FA50-4C0D-911C-0D2F8BFFFDE5}"/>
-              </a:ext>
-            </a:extLst>
-          </p:cNvPr>
-          <p:cNvSpPr>
-            <a:spLocks noGrp="1"/>
-          </p:cNvSpPr>
-          <p:nvPr>
-            <p:ph idx="1"/>
-          </p:nvPr>
-        </p:nvSpPr>
-        <p:spPr/>
-        <p:txBody>
-          <a:bodyPr>
-            <a:normAutofit fontScale="92500" lnSpcReduction="10000"/>
-          </a:bodyPr>
-          <a:lstStyle/>
-          <a:p>
-            <a:pPr marL="36900" indent="0">
-              <a:buNone/>
-            </a:pPr>
-            <a:r>
-              <a:rPr lang="en-AU" b="1" dirty="0">
-                <a:effectLst/>
-              </a:rPr>
-              <a:t>Two cases:</a:t>
-            </a:r>
-          </a:p>
-          <a:p>
-            <a:r>
-              <a:rPr lang="en-AU" dirty="0">
-                <a:effectLst/>
-              </a:rPr>
-              <a:t> </a:t>
-            </a:r>
-            <a:r>
-              <a:rPr lang="en-AU" b="1" dirty="0">
-                <a:solidFill>
-                  <a:srgbClr val="FF0000"/>
-                </a:solidFill>
-                <a:effectLst/>
-              </a:rPr>
-              <a:t>No </a:t>
-            </a:r>
-            <a:r>
-              <a:rPr lang="en-AU" b="1" dirty="0">
-                <a:solidFill>
-                  <a:srgbClr val="FFC000"/>
-                </a:solidFill>
-                <a:effectLst/>
-              </a:rPr>
-              <a:t>exception</a:t>
-            </a:r>
-            <a:r>
-              <a:rPr lang="en-AU" b="1" dirty="0">
-                <a:solidFill>
-                  <a:srgbClr val="FF0000"/>
-                </a:solidFill>
-                <a:effectLst/>
-              </a:rPr>
-              <a:t> is thrown </a:t>
-            </a:r>
-            <a:r>
-              <a:rPr lang="en-AU" dirty="0">
-                <a:effectLst/>
-              </a:rPr>
-              <a:t>in the </a:t>
-            </a:r>
-            <a:r>
-              <a:rPr lang="en-AU" b="1" dirty="0">
-                <a:solidFill>
-                  <a:srgbClr val="FFC000"/>
-                </a:solidFill>
-                <a:effectLst/>
-              </a:rPr>
-              <a:t>try</a:t>
-            </a:r>
-            <a:r>
-              <a:rPr lang="en-AU" dirty="0">
-                <a:effectLst/>
-              </a:rPr>
-              <a:t> block</a:t>
-            </a:r>
-          </a:p>
-          <a:p>
-            <a:pPr lvl="1"/>
-            <a:r>
-              <a:rPr lang="en-AU" b="1" dirty="0">
-                <a:solidFill>
-                  <a:srgbClr val="FFC000"/>
-                </a:solidFill>
-                <a:effectLst/>
-              </a:rPr>
-              <a:t>try</a:t>
-            </a:r>
-            <a:r>
-              <a:rPr lang="en-AU" dirty="0">
-                <a:effectLst/>
-              </a:rPr>
-              <a:t> block -- executed to the end of the block</a:t>
-            </a:r>
-          </a:p>
-          <a:p>
-            <a:pPr lvl="1"/>
-            <a:r>
-              <a:rPr lang="en-AU" b="1" dirty="0">
-                <a:solidFill>
-                  <a:srgbClr val="FFC000"/>
-                </a:solidFill>
-                <a:effectLst/>
-              </a:rPr>
-              <a:t>catch</a:t>
-            </a:r>
-            <a:r>
-              <a:rPr lang="en-AU" dirty="0">
-                <a:effectLst/>
-              </a:rPr>
-              <a:t> block -- </a:t>
-            </a:r>
-            <a:r>
-              <a:rPr lang="en-AU" dirty="0">
-                <a:solidFill>
-                  <a:srgbClr val="FF0000"/>
-                </a:solidFill>
-                <a:effectLst/>
-              </a:rPr>
-              <a:t>skipped</a:t>
-            </a:r>
-          </a:p>
-          <a:p>
-            <a:pPr lvl="1"/>
-            <a:r>
-              <a:rPr lang="en-AU" dirty="0">
-                <a:solidFill>
-                  <a:srgbClr val="FF0000"/>
-                </a:solidFill>
-                <a:effectLst/>
-              </a:rPr>
-              <a:t>after</a:t>
-            </a:r>
-            <a:r>
-              <a:rPr lang="en-AU" dirty="0">
-                <a:effectLst/>
-              </a:rPr>
-              <a:t> the </a:t>
-            </a:r>
-            <a:r>
-              <a:rPr lang="en-AU" b="1" dirty="0">
-                <a:solidFill>
-                  <a:srgbClr val="FFC000"/>
-                </a:solidFill>
-                <a:effectLst/>
-              </a:rPr>
-              <a:t>catch</a:t>
-            </a:r>
-            <a:r>
-              <a:rPr lang="en-AU" dirty="0">
-                <a:effectLst/>
-              </a:rPr>
-              <a:t> block -- </a:t>
-            </a:r>
-            <a:r>
-              <a:rPr lang="en-AU" dirty="0">
-                <a:solidFill>
-                  <a:srgbClr val="FF0000"/>
-                </a:solidFill>
-                <a:effectLst/>
-              </a:rPr>
-              <a:t>execution continues </a:t>
-            </a:r>
-          </a:p>
-          <a:p>
-            <a:r>
-              <a:rPr lang="en-AU" dirty="0">
-                <a:effectLst/>
-              </a:rPr>
-              <a:t>An </a:t>
-            </a:r>
-            <a:r>
-              <a:rPr lang="en-AU" b="1" dirty="0">
-                <a:solidFill>
-                  <a:srgbClr val="FFC000"/>
-                </a:solidFill>
-                <a:effectLst/>
-              </a:rPr>
-              <a:t>exception</a:t>
-            </a:r>
-            <a:r>
-              <a:rPr lang="en-AU" b="1" dirty="0">
-                <a:solidFill>
-                  <a:srgbClr val="FF0000"/>
-                </a:solidFill>
-                <a:effectLst/>
-              </a:rPr>
-              <a:t> is thrown </a:t>
-            </a:r>
-            <a:r>
-              <a:rPr lang="en-AU" dirty="0">
-                <a:effectLst/>
-              </a:rPr>
-              <a:t>in the </a:t>
-            </a:r>
-            <a:r>
-              <a:rPr lang="en-AU" b="1" dirty="0">
-                <a:solidFill>
-                  <a:srgbClr val="FFC000"/>
-                </a:solidFill>
-                <a:effectLst/>
-              </a:rPr>
-              <a:t>try</a:t>
-            </a:r>
-            <a:r>
-              <a:rPr lang="en-AU" dirty="0">
-                <a:effectLst/>
-              </a:rPr>
-              <a:t> block and </a:t>
-            </a:r>
-            <a:r>
-              <a:rPr lang="en-AU" b="1" dirty="0">
-                <a:solidFill>
-                  <a:srgbClr val="FF0000"/>
-                </a:solidFill>
-                <a:effectLst/>
-              </a:rPr>
-              <a:t>caught</a:t>
-            </a:r>
-            <a:r>
-              <a:rPr lang="en-AU" dirty="0">
-                <a:effectLst/>
-              </a:rPr>
-              <a:t> in the </a:t>
-            </a:r>
-            <a:r>
-              <a:rPr lang="en-AU" b="1" dirty="0">
-                <a:solidFill>
-                  <a:srgbClr val="FFC000"/>
-                </a:solidFill>
-                <a:effectLst/>
-              </a:rPr>
-              <a:t>catch</a:t>
-            </a:r>
-            <a:r>
-              <a:rPr lang="en-AU" dirty="0">
-                <a:effectLst/>
-              </a:rPr>
-              <a:t> block</a:t>
-            </a:r>
-          </a:p>
-          <a:p>
-            <a:pPr lvl="1"/>
-            <a:r>
-              <a:rPr lang="en-AU" b="1" dirty="0">
-                <a:solidFill>
-                  <a:srgbClr val="FFC000"/>
-                </a:solidFill>
-                <a:effectLst/>
-              </a:rPr>
-              <a:t>try</a:t>
-            </a:r>
-            <a:r>
-              <a:rPr lang="en-AU" dirty="0">
-                <a:solidFill>
-                  <a:srgbClr val="FF0000"/>
-                </a:solidFill>
-                <a:effectLst/>
-              </a:rPr>
-              <a:t> block </a:t>
-            </a:r>
-            <a:r>
-              <a:rPr lang="en-AU" dirty="0"/>
-              <a:t>– </a:t>
-            </a:r>
-            <a:r>
-              <a:rPr lang="en-AU" dirty="0">
-                <a:solidFill>
-                  <a:srgbClr val="FF0000"/>
-                </a:solidFill>
-                <a:effectLst/>
-              </a:rPr>
-              <a:t>skipped after thrown</a:t>
-            </a:r>
-          </a:p>
-          <a:p>
-            <a:pPr lvl="1"/>
-            <a:r>
-              <a:rPr lang="en-AU" b="1" dirty="0">
-                <a:solidFill>
-                  <a:srgbClr val="FFC000"/>
-                </a:solidFill>
-                <a:effectLst/>
-              </a:rPr>
-              <a:t>Control</a:t>
-            </a:r>
-            <a:r>
-              <a:rPr lang="en-AU" dirty="0">
-                <a:effectLst/>
-              </a:rPr>
-              <a:t> is </a:t>
-            </a:r>
-            <a:r>
-              <a:rPr lang="en-AU" dirty="0">
-                <a:solidFill>
-                  <a:srgbClr val="FF0000"/>
-                </a:solidFill>
-                <a:effectLst/>
-              </a:rPr>
-              <a:t>transferred</a:t>
-            </a:r>
-            <a:r>
-              <a:rPr lang="en-AU" dirty="0">
-                <a:effectLst/>
-              </a:rPr>
-              <a:t> to a following </a:t>
-            </a:r>
-            <a:r>
-              <a:rPr lang="en-AU" b="1" dirty="0">
-                <a:solidFill>
-                  <a:srgbClr val="FFC000"/>
-                </a:solidFill>
-                <a:effectLst/>
-              </a:rPr>
-              <a:t>catch</a:t>
-            </a:r>
-            <a:r>
-              <a:rPr lang="en-AU" dirty="0">
-                <a:effectLst/>
-              </a:rPr>
-              <a:t> block (in simple cases)</a:t>
-            </a:r>
-          </a:p>
-          <a:p>
-            <a:pPr lvl="1"/>
-            <a:r>
-              <a:rPr lang="en-AU" dirty="0">
-                <a:effectLst/>
-              </a:rPr>
-              <a:t>The thrown object is </a:t>
-            </a:r>
-            <a:r>
-              <a:rPr lang="en-AU" dirty="0">
-                <a:solidFill>
-                  <a:srgbClr val="FF0000"/>
-                </a:solidFill>
-                <a:effectLst/>
-              </a:rPr>
-              <a:t>plugged in </a:t>
-            </a:r>
-            <a:r>
-              <a:rPr lang="en-AU" dirty="0">
-                <a:effectLst/>
-              </a:rPr>
-              <a:t>for the </a:t>
-            </a:r>
-            <a:r>
-              <a:rPr lang="en-AU" b="1" dirty="0">
-                <a:solidFill>
-                  <a:srgbClr val="FFC000"/>
-                </a:solidFill>
-                <a:effectLst/>
-              </a:rPr>
-              <a:t>catch</a:t>
-            </a:r>
-            <a:r>
-              <a:rPr lang="en-AU" dirty="0">
-                <a:effectLst/>
-              </a:rPr>
-              <a:t> block parameter</a:t>
-            </a:r>
-          </a:p>
-          <a:p>
-            <a:pPr lvl="1"/>
-            <a:r>
-              <a:rPr lang="en-AU" b="1" dirty="0">
-                <a:solidFill>
-                  <a:srgbClr val="FFC000"/>
-                </a:solidFill>
-                <a:effectLst/>
-              </a:rPr>
-              <a:t>catch</a:t>
-            </a:r>
-            <a:r>
-              <a:rPr lang="en-AU" dirty="0">
-                <a:effectLst/>
-              </a:rPr>
-              <a:t> block -- </a:t>
-            </a:r>
-            <a:r>
-              <a:rPr lang="en-AU" dirty="0">
-                <a:solidFill>
-                  <a:srgbClr val="FF0000"/>
-                </a:solidFill>
-                <a:effectLst/>
-              </a:rPr>
-              <a:t>executed</a:t>
-            </a:r>
-          </a:p>
-          <a:p>
-            <a:pPr lvl="1"/>
-            <a:r>
-              <a:rPr lang="en-AU" dirty="0">
-                <a:solidFill>
-                  <a:srgbClr val="FF0000"/>
-                </a:solidFill>
-                <a:effectLst/>
-              </a:rPr>
-              <a:t>after</a:t>
-            </a:r>
-            <a:r>
-              <a:rPr lang="en-AU" dirty="0">
-                <a:effectLst/>
-              </a:rPr>
-              <a:t> </a:t>
-            </a:r>
-            <a:r>
-              <a:rPr lang="en-AU" b="1" dirty="0">
-                <a:solidFill>
-                  <a:srgbClr val="FFC000"/>
-                </a:solidFill>
-                <a:effectLst/>
-              </a:rPr>
-              <a:t>catch</a:t>
-            </a:r>
-            <a:r>
-              <a:rPr lang="en-AU" dirty="0">
-                <a:effectLst/>
-              </a:rPr>
-              <a:t> block -- executed (if any)</a:t>
-            </a:r>
-            <a:endParaRPr lang="en-AU" dirty="0"/>
-          </a:p>
-        </p:txBody>
-      </p:sp>
-    </p:spTree>
-    <p:extLst>
-      <p:ext uri="{BB962C8B-B14F-4D97-AF65-F5344CB8AC3E}">
-        <p14:creationId xmlns:p14="http://schemas.microsoft.com/office/powerpoint/2010/main" val="3426584855"/>
-      </p:ext>
-    </p:extLst>
-  </p:cSld>
-  <p:clrMapOvr>
-    <a:masterClrMapping/>
-  </p:clrMapOvr>
-</p:sld>
-</file>
-
-<file path=ppt/slides/slide9.xml><?xml version="1.0" encoding="utf-8"?>
-<p:sld xmlns:a="http://schemas.openxmlformats.org/drawingml/2006/main" xmlns:r="http://schemas.openxmlformats.org/officeDocument/2006/relationships" xmlns:p="http://schemas.openxmlformats.org/presentationml/2006/main">
-  <p:cSld>
-    <p:spTree>
-      <p:nvGrpSpPr>
-        <p:cNvPr id="1" name=""/>
-        <p:cNvGrpSpPr/>
-        <p:nvPr/>
-      </p:nvGrpSpPr>
-      <p:grpSpPr>
-        <a:xfrm>
-          <a:off x="0" y="0"/>
-          <a:ext cx="0" cy="0"/>
-          <a:chOff x="0" y="0"/>
-          <a:chExt cx="0" cy="0"/>
-        </a:xfrm>
-      </p:grpSpPr>
-      <p:sp>
-        <p:nvSpPr>
-          <p:cNvPr id="2" name="Title 1">
-            <a:extLst>
-              <a:ext uri="{FF2B5EF4-FFF2-40B4-BE49-F238E27FC236}">
-                <a16:creationId xmlns:a16="http://schemas.microsoft.com/office/drawing/2014/main" id="{C3C687A5-5487-45E6-B921-94AFBF8DEAA3}"/>
-              </a:ext>
-            </a:extLst>
-          </p:cNvPr>
-          <p:cNvSpPr>
-            <a:spLocks noGrp="1"/>
-          </p:cNvSpPr>
-          <p:nvPr>
-            <p:ph type="title"/>
-          </p:nvPr>
-        </p:nvSpPr>
-        <p:spPr/>
-        <p:txBody>
-          <a:bodyPr>
-            <a:normAutofit/>
-          </a:bodyPr>
-          <a:lstStyle/>
-          <a:p>
-            <a:r>
-              <a:rPr lang="en-AU" b="1" dirty="0">
-                <a:effectLst/>
-              </a:rPr>
-              <a:t>catch</a:t>
-            </a:r>
-            <a:endParaRPr lang="en-AU" dirty="0"/>
-          </a:p>
-        </p:txBody>
-      </p:sp>
-      <p:sp>
-        <p:nvSpPr>
-          <p:cNvPr id="3" name="Content Placeholder 2">
-            <a:extLst>
-              <a:ext uri="{FF2B5EF4-FFF2-40B4-BE49-F238E27FC236}">
-                <a16:creationId xmlns:a16="http://schemas.microsoft.com/office/drawing/2014/main" id="{8A989F6C-1913-492D-8F36-7719ABA27DE2}"/>
-              </a:ext>
-            </a:extLst>
-          </p:cNvPr>
-          <p:cNvSpPr>
-            <a:spLocks noGrp="1"/>
-          </p:cNvSpPr>
-          <p:nvPr>
-            <p:ph idx="1"/>
-          </p:nvPr>
-        </p:nvSpPr>
-        <p:spPr>
-          <a:xfrm>
-            <a:off x="913795" y="1732449"/>
-            <a:ext cx="10353762" cy="4998551"/>
-          </a:xfrm>
-        </p:spPr>
-        <p:txBody>
-          <a:bodyPr>
-            <a:normAutofit/>
-          </a:bodyPr>
-          <a:lstStyle/>
-          <a:p>
-            <a:r>
-              <a:rPr lang="en-AU" dirty="0">
-                <a:effectLst/>
-              </a:rPr>
-              <a:t>When an </a:t>
-            </a:r>
-            <a:r>
-              <a:rPr lang="en-AU" b="1" dirty="0">
-                <a:solidFill>
-                  <a:srgbClr val="FFC000"/>
-                </a:solidFill>
-                <a:effectLst/>
-              </a:rPr>
-              <a:t>exception</a:t>
-            </a:r>
-            <a:r>
-              <a:rPr lang="en-AU" dirty="0">
-                <a:effectLst/>
-              </a:rPr>
-              <a:t> is thrown, the </a:t>
-            </a:r>
-            <a:r>
-              <a:rPr lang="en-AU" b="1" dirty="0">
-                <a:solidFill>
-                  <a:srgbClr val="FFC000"/>
-                </a:solidFill>
-                <a:effectLst/>
-              </a:rPr>
-              <a:t>catch</a:t>
-            </a:r>
-            <a:r>
-              <a:rPr lang="en-AU" dirty="0">
-                <a:effectLst/>
-              </a:rPr>
-              <a:t> block begins execution</a:t>
-            </a:r>
-          </a:p>
-          <a:p>
-            <a:pPr lvl="1"/>
-            <a:r>
-              <a:rPr lang="en-AU" b="1" dirty="0">
-                <a:solidFill>
-                  <a:srgbClr val="FFC000"/>
-                </a:solidFill>
-                <a:effectLst/>
-              </a:rPr>
-              <a:t>catch</a:t>
-            </a:r>
-            <a:r>
-              <a:rPr lang="en-AU" dirty="0">
-                <a:effectLst/>
-              </a:rPr>
-              <a:t> block: </a:t>
-            </a:r>
-            <a:r>
-              <a:rPr lang="en-AU" dirty="0">
-                <a:solidFill>
-                  <a:srgbClr val="FF0000"/>
-                </a:solidFill>
-                <a:effectLst/>
-              </a:rPr>
-              <a:t>only one parameter</a:t>
-            </a:r>
-          </a:p>
-          <a:p>
-            <a:pPr lvl="1"/>
-            <a:r>
-              <a:rPr lang="en-AU" b="1" dirty="0">
-                <a:solidFill>
-                  <a:srgbClr val="FFC000"/>
-                </a:solidFill>
-                <a:effectLst/>
-              </a:rPr>
-              <a:t>exception</a:t>
-            </a:r>
-            <a:r>
-              <a:rPr lang="en-AU" dirty="0">
-                <a:solidFill>
-                  <a:srgbClr val="FF0000"/>
-                </a:solidFill>
-                <a:effectLst/>
-              </a:rPr>
-              <a:t> object thrown: </a:t>
-            </a:r>
-            <a:r>
-              <a:rPr lang="en-AU" dirty="0">
-                <a:effectLst/>
-              </a:rPr>
-              <a:t>is plugged in for the </a:t>
-            </a:r>
-            <a:r>
-              <a:rPr lang="en-AU" b="1" dirty="0">
-                <a:solidFill>
-                  <a:srgbClr val="FFC000"/>
-                </a:solidFill>
-                <a:effectLst/>
-              </a:rPr>
-              <a:t>catch</a:t>
-            </a:r>
-            <a:r>
-              <a:rPr lang="en-AU" dirty="0">
-                <a:solidFill>
-                  <a:srgbClr val="FF0000"/>
-                </a:solidFill>
-                <a:effectLst/>
-              </a:rPr>
-              <a:t> block parameter</a:t>
-            </a:r>
-          </a:p>
-          <a:p>
-            <a:r>
-              <a:rPr lang="en-AU" dirty="0">
-                <a:solidFill>
-                  <a:srgbClr val="FF0000"/>
-                </a:solidFill>
-                <a:effectLst/>
-              </a:rPr>
-              <a:t>catching/handling the exception:</a:t>
-            </a:r>
-            <a:r>
-              <a:rPr lang="en-AU" dirty="0"/>
-              <a:t> the </a:t>
-            </a:r>
-            <a:r>
-              <a:rPr lang="en-AU" dirty="0">
-                <a:effectLst/>
-              </a:rPr>
-              <a:t>execution of the </a:t>
-            </a:r>
-            <a:r>
-              <a:rPr lang="en-AU" b="1" dirty="0">
-                <a:solidFill>
-                  <a:srgbClr val="FFC000"/>
-                </a:solidFill>
-                <a:effectLst/>
-              </a:rPr>
-              <a:t>catch</a:t>
-            </a:r>
-            <a:r>
-              <a:rPr lang="en-AU" dirty="0">
-                <a:effectLst/>
-              </a:rPr>
-              <a:t> block(</a:t>
-            </a:r>
-            <a:r>
-              <a:rPr lang="en-AU" b="1" dirty="0">
-                <a:solidFill>
-                  <a:srgbClr val="FFC000"/>
-                </a:solidFill>
-                <a:effectLst/>
-              </a:rPr>
-              <a:t>exception handler)</a:t>
-            </a:r>
-          </a:p>
-          <a:p>
-            <a:r>
-              <a:rPr lang="en-AU" dirty="0">
-                <a:effectLst/>
-              </a:rPr>
-              <a:t>Whenever an </a:t>
-            </a:r>
-            <a:r>
-              <a:rPr lang="en-AU" b="1" dirty="0">
-                <a:solidFill>
-                  <a:srgbClr val="FFC000"/>
-                </a:solidFill>
-                <a:effectLst/>
-              </a:rPr>
-              <a:t>exception</a:t>
-            </a:r>
-            <a:r>
-              <a:rPr lang="en-AU" dirty="0">
-                <a:effectLst/>
-              </a:rPr>
-              <a:t> is </a:t>
-            </a:r>
-            <a:r>
-              <a:rPr lang="en-AU" dirty="0">
-                <a:solidFill>
-                  <a:srgbClr val="FF0000"/>
-                </a:solidFill>
-                <a:effectLst/>
-              </a:rPr>
-              <a:t>thrown</a:t>
-            </a:r>
-            <a:r>
-              <a:rPr lang="en-AU" dirty="0">
-                <a:effectLst/>
-              </a:rPr>
-              <a:t>, it should </a:t>
-            </a:r>
-            <a:r>
-              <a:rPr lang="en-AU" b="1" dirty="0">
-                <a:solidFill>
-                  <a:srgbClr val="92D050"/>
-                </a:solidFill>
-                <a:effectLst/>
-              </a:rPr>
-              <a:t>ultimately</a:t>
-            </a:r>
-            <a:r>
-              <a:rPr lang="en-AU" b="1" dirty="0">
-                <a:solidFill>
-                  <a:srgbClr val="FF0000"/>
-                </a:solidFill>
-                <a:effectLst/>
-              </a:rPr>
-              <a:t> be handled/caught </a:t>
-            </a:r>
-            <a:r>
-              <a:rPr lang="en-AU" dirty="0">
-                <a:effectLst/>
-              </a:rPr>
-              <a:t>by some </a:t>
-            </a:r>
-            <a:r>
-              <a:rPr lang="en-AU" b="1" dirty="0">
-                <a:solidFill>
-                  <a:srgbClr val="FFC000"/>
-                </a:solidFill>
-                <a:effectLst/>
-              </a:rPr>
-              <a:t>catch block</a:t>
-            </a:r>
-          </a:p>
-          <a:p>
-            <a:pPr marL="1368000" lvl="4" indent="0">
-              <a:buNone/>
-            </a:pPr>
-            <a:r>
-              <a:rPr lang="en-AU" sz="1800" i="1" dirty="0">
-                <a:solidFill>
-                  <a:srgbClr val="00B0F0"/>
-                </a:solidFill>
-                <a:effectLst/>
-              </a:rPr>
-              <a:t>catch (myException </a:t>
-            </a:r>
-            <a:r>
-              <a:rPr lang="en-AU" sz="1800" b="1" i="1" dirty="0">
-                <a:solidFill>
-                  <a:srgbClr val="FF0000"/>
-                </a:solidFill>
-                <a:effectLst/>
-              </a:rPr>
-              <a:t>e</a:t>
-            </a:r>
-            <a:r>
-              <a:rPr lang="en-AU" sz="1800" i="1" dirty="0">
-                <a:solidFill>
-                  <a:srgbClr val="00B0F0"/>
-                </a:solidFill>
-                <a:effectLst/>
-              </a:rPr>
-              <a:t>) {</a:t>
-            </a:r>
-            <a:endParaRPr lang="en-AU" sz="1800" dirty="0">
-              <a:solidFill>
-                <a:srgbClr val="00B0F0"/>
-              </a:solidFill>
-              <a:effectLst/>
-            </a:endParaRPr>
-          </a:p>
-          <a:p>
-            <a:pPr marL="1368000" lvl="4" indent="0">
-              <a:buNone/>
-            </a:pPr>
-            <a:r>
-              <a:rPr lang="en-AU" sz="1800" i="1" dirty="0">
-                <a:solidFill>
-                  <a:srgbClr val="00B0F0"/>
-                </a:solidFill>
-                <a:effectLst/>
-              </a:rPr>
-              <a:t>	ExceptionHandlingCode}</a:t>
-            </a:r>
-            <a:endParaRPr lang="en-AU" sz="1800" dirty="0">
-              <a:solidFill>
-                <a:srgbClr val="00B0F0"/>
-              </a:solidFill>
-              <a:effectLst/>
-            </a:endParaRPr>
-          </a:p>
-          <a:p>
-            <a:r>
-              <a:rPr lang="en-AU" b="1" dirty="0">
-                <a:solidFill>
-                  <a:srgbClr val="FFC000"/>
-                </a:solidFill>
-                <a:effectLst/>
-              </a:rPr>
-              <a:t>e</a:t>
-            </a:r>
-            <a:r>
-              <a:rPr lang="en-AU" dirty="0">
-                <a:effectLst/>
-              </a:rPr>
-              <a:t> is called the </a:t>
-            </a:r>
-            <a:r>
-              <a:rPr lang="en-AU" b="1" dirty="0">
-                <a:solidFill>
-                  <a:srgbClr val="FFC000"/>
-                </a:solidFill>
-                <a:effectLst/>
-              </a:rPr>
-              <a:t>catch block parameter</a:t>
-            </a:r>
-          </a:p>
-          <a:p>
-            <a:pPr lvl="1"/>
-            <a:r>
-              <a:rPr lang="en-AU" dirty="0">
-                <a:effectLst/>
-              </a:rPr>
-              <a:t>specifies the </a:t>
-            </a:r>
-            <a:r>
-              <a:rPr lang="en-AU" b="1" dirty="0">
-                <a:solidFill>
-                  <a:srgbClr val="FF0000"/>
-                </a:solidFill>
-                <a:effectLst/>
-              </a:rPr>
-              <a:t>type </a:t>
-            </a:r>
-            <a:r>
-              <a:rPr lang="en-AU" dirty="0"/>
-              <a:t>and </a:t>
-            </a:r>
-            <a:r>
-              <a:rPr lang="en-AU" dirty="0">
-                <a:effectLst/>
-              </a:rPr>
-              <a:t>provides a </a:t>
-            </a:r>
-            <a:r>
-              <a:rPr lang="en-AU" b="1" dirty="0">
-                <a:solidFill>
-                  <a:srgbClr val="FF0000"/>
-                </a:solidFill>
-                <a:effectLst/>
-              </a:rPr>
-              <a:t>name</a:t>
-            </a:r>
-            <a:r>
-              <a:rPr lang="en-AU" dirty="0">
-                <a:effectLst/>
-              </a:rPr>
-              <a:t> of thrown exception object </a:t>
-            </a:r>
-          </a:p>
-          <a:p>
-            <a:pPr lvl="1"/>
-            <a:r>
-              <a:rPr lang="en-AU" dirty="0">
-                <a:effectLst/>
-              </a:rPr>
-              <a:t>The identifier </a:t>
-            </a:r>
-            <a:r>
-              <a:rPr lang="en-AU" b="1" dirty="0">
-                <a:solidFill>
-                  <a:srgbClr val="FFC000"/>
-                </a:solidFill>
-                <a:effectLst/>
-              </a:rPr>
-              <a:t>e</a:t>
-            </a:r>
-            <a:r>
-              <a:rPr lang="en-AU" dirty="0">
-                <a:effectLst/>
-              </a:rPr>
-              <a:t> is often used by convention, but </a:t>
-            </a:r>
-            <a:r>
-              <a:rPr lang="en-AU" dirty="0">
-                <a:solidFill>
-                  <a:srgbClr val="FF0000"/>
-                </a:solidFill>
-                <a:effectLst/>
-              </a:rPr>
-              <a:t>any non-keyword identifier can be used</a:t>
-            </a:r>
-          </a:p>
-        </p:txBody>
-      </p:sp>
-    </p:spTree>
-    <p:extLst>
-      <p:ext uri="{BB962C8B-B14F-4D97-AF65-F5344CB8AC3E}">
-        <p14:creationId xmlns:p14="http://schemas.microsoft.com/office/powerpoint/2010/main" val="3462895002"/>
       </p:ext>
     </p:extLst>
   </p:cSld>
